--- a/緯創資通_後端工程師暨系統架構師_吳紹羽.pptx
+++ b/緯創資通_後端工程師暨系統架構師_吳紹羽.pptx
@@ -5,7 +5,7 @@
     <p:sldMasterId id="2147483648" r:id="rId1"/>
   </p:sldMasterIdLst>
   <p:notesMasterIdLst>
-    <p:notesMasterId r:id="rId12"/>
+    <p:notesMasterId r:id="rId14"/>
   </p:notesMasterIdLst>
   <p:sldIdLst>
     <p:sldId id="285" r:id="rId2"/>
@@ -14,10 +14,12 @@
     <p:sldId id="300" r:id="rId5"/>
     <p:sldId id="291" r:id="rId6"/>
     <p:sldId id="292" r:id="rId7"/>
-    <p:sldId id="299" r:id="rId8"/>
-    <p:sldId id="293" r:id="rId9"/>
-    <p:sldId id="295" r:id="rId10"/>
-    <p:sldId id="294" r:id="rId11"/>
+    <p:sldId id="293" r:id="rId8"/>
+    <p:sldId id="299" r:id="rId9"/>
+    <p:sldId id="301" r:id="rId10"/>
+    <p:sldId id="302" r:id="rId11"/>
+    <p:sldId id="295" r:id="rId12"/>
+    <p:sldId id="294" r:id="rId13"/>
   </p:sldIdLst>
   <p:sldSz cx="11522075" cy="6480175"/>
   <p:notesSz cx="6858000" cy="9144000"/>
@@ -816,7 +818,7 @@
           <a:p>
             <a:fld id="{D9C1AD92-4491-470B-AC64-A48031177DA2}" type="slidenum">
               <a:rPr lang="zh-CN" altLang="en-US" smtClean="0"/>
-              <a:t>7</a:t>
+              <a:t>8</a:t>
             </a:fld>
             <a:endParaRPr lang="zh-CN" altLang="en-US"/>
           </a:p>
@@ -901,6 +903,90 @@
             <a:fld id="{D9C1AD92-4491-470B-AC64-A48031177DA2}" type="slidenum">
               <a:rPr lang="zh-CN" altLang="en-US" smtClean="0"/>
               <a:t>10</a:t>
+            </a:fld>
+            <a:endParaRPr lang="zh-CN" altLang="en-US"/>
+          </a:p>
+        </p:txBody>
+      </p:sp>
+    </p:spTree>
+    <p:extLst>
+      <p:ext uri="{BB962C8B-B14F-4D97-AF65-F5344CB8AC3E}">
+        <p14:creationId xmlns:p14="http://schemas.microsoft.com/office/powerpoint/2010/main" val="1009896198"/>
+      </p:ext>
+    </p:extLst>
+  </p:cSld>
+  <p:clrMapOvr>
+    <a:masterClrMapping/>
+  </p:clrMapOvr>
+</p:notes>
+</file>
+
+<file path=ppt/notesSlides/notesSlide6.xml><?xml version="1.0" encoding="utf-8"?>
+<p:notes xmlns:a="http://schemas.openxmlformats.org/drawingml/2006/main" xmlns:r="http://schemas.openxmlformats.org/officeDocument/2006/relationships" xmlns:p="http://schemas.openxmlformats.org/presentationml/2006/main">
+  <p:cSld>
+    <p:spTree>
+      <p:nvGrpSpPr>
+        <p:cNvPr id="1" name=""/>
+        <p:cNvGrpSpPr/>
+        <p:nvPr/>
+      </p:nvGrpSpPr>
+      <p:grpSpPr>
+        <a:xfrm>
+          <a:off x="0" y="0"/>
+          <a:ext cx="0" cy="0"/>
+          <a:chOff x="0" y="0"/>
+          <a:chExt cx="0" cy="0"/>
+        </a:xfrm>
+      </p:grpSpPr>
+      <p:sp>
+        <p:nvSpPr>
+          <p:cNvPr id="2" name="投影片圖像版面配置區 1"/>
+          <p:cNvSpPr>
+            <a:spLocks noGrp="1" noRot="1" noChangeAspect="1"/>
+          </p:cNvSpPr>
+          <p:nvPr>
+            <p:ph type="sldImg"/>
+          </p:nvPr>
+        </p:nvSpPr>
+        <p:spPr/>
+      </p:sp>
+      <p:sp>
+        <p:nvSpPr>
+          <p:cNvPr id="3" name="備忘稿版面配置區 2"/>
+          <p:cNvSpPr>
+            <a:spLocks noGrp="1"/>
+          </p:cNvSpPr>
+          <p:nvPr>
+            <p:ph type="body" idx="1"/>
+          </p:nvPr>
+        </p:nvSpPr>
+        <p:spPr/>
+        <p:txBody>
+          <a:bodyPr/>
+          <a:lstStyle/>
+          <a:p>
+            <a:endParaRPr lang="zh-TW" altLang="en-US" dirty="0"/>
+          </a:p>
+        </p:txBody>
+      </p:sp>
+      <p:sp>
+        <p:nvSpPr>
+          <p:cNvPr id="4" name="投影片編號版面配置區 3"/>
+          <p:cNvSpPr>
+            <a:spLocks noGrp="1"/>
+          </p:cNvSpPr>
+          <p:nvPr>
+            <p:ph type="sldNum" sz="quarter" idx="10"/>
+          </p:nvPr>
+        </p:nvSpPr>
+        <p:spPr/>
+        <p:txBody>
+          <a:bodyPr/>
+          <a:lstStyle/>
+          <a:p>
+            <a:fld id="{D9C1AD92-4491-470B-AC64-A48031177DA2}" type="slidenum">
+              <a:rPr lang="zh-CN" altLang="en-US" smtClean="0"/>
+              <a:t>12</a:t>
             </a:fld>
             <a:endParaRPr lang="zh-CN" altLang="en-US"/>
           </a:p>
@@ -4177,6 +4263,1117 @@
 </file>
 
 <file path=ppt/slides/slide10.xml><?xml version="1.0" encoding="utf-8"?>
+<p:sld xmlns:a="http://schemas.openxmlformats.org/drawingml/2006/main" xmlns:r="http://schemas.openxmlformats.org/officeDocument/2006/relationships" xmlns:p="http://schemas.openxmlformats.org/presentationml/2006/main">
+  <p:cSld>
+    <p:bg>
+      <p:bgPr>
+        <a:solidFill>
+          <a:srgbClr val="017FA6"/>
+        </a:solidFill>
+        <a:effectLst/>
+      </p:bgPr>
+    </p:bg>
+    <p:spTree>
+      <p:nvGrpSpPr>
+        <p:cNvPr id="1" name=""/>
+        <p:cNvGrpSpPr/>
+        <p:nvPr/>
+      </p:nvGrpSpPr>
+      <p:grpSpPr>
+        <a:xfrm>
+          <a:off x="0" y="0"/>
+          <a:ext cx="0" cy="0"/>
+          <a:chOff x="0" y="0"/>
+          <a:chExt cx="0" cy="0"/>
+        </a:xfrm>
+      </p:grpSpPr>
+      <p:grpSp>
+        <p:nvGrpSpPr>
+          <p:cNvPr id="3" name="组合 2"/>
+          <p:cNvGrpSpPr/>
+          <p:nvPr/>
+        </p:nvGrpSpPr>
+        <p:grpSpPr>
+          <a:xfrm>
+            <a:off x="15876" y="1885950"/>
+            <a:ext cx="1354138" cy="2708275"/>
+            <a:chOff x="15876" y="1897063"/>
+            <a:chExt cx="1354138" cy="2708275"/>
+          </a:xfrm>
+        </p:grpSpPr>
+        <p:sp>
+          <p:nvSpPr>
+            <p:cNvPr id="8" name="Freeform 16"/>
+            <p:cNvSpPr>
+              <a:spLocks/>
+            </p:cNvSpPr>
+            <p:nvPr/>
+          </p:nvSpPr>
+          <p:spPr bwMode="auto">
+            <a:xfrm>
+              <a:off x="15876" y="1897063"/>
+              <a:ext cx="1354138" cy="2708275"/>
+            </a:xfrm>
+            <a:custGeom>
+              <a:avLst/>
+              <a:gdLst>
+                <a:gd name="T0" fmla="*/ 0 w 3744"/>
+                <a:gd name="T1" fmla="*/ 0 h 7488"/>
+                <a:gd name="T2" fmla="*/ 3744 w 3744"/>
+                <a:gd name="T3" fmla="*/ 3744 h 7488"/>
+                <a:gd name="T4" fmla="*/ 0 w 3744"/>
+                <a:gd name="T5" fmla="*/ 7488 h 7488"/>
+                <a:gd name="T6" fmla="*/ 0 w 3744"/>
+                <a:gd name="T7" fmla="*/ 0 h 7488"/>
+              </a:gdLst>
+              <a:ahLst/>
+              <a:cxnLst>
+                <a:cxn ang="0">
+                  <a:pos x="T0" y="T1"/>
+                </a:cxn>
+                <a:cxn ang="0">
+                  <a:pos x="T2" y="T3"/>
+                </a:cxn>
+                <a:cxn ang="0">
+                  <a:pos x="T4" y="T5"/>
+                </a:cxn>
+                <a:cxn ang="0">
+                  <a:pos x="T6" y="T7"/>
+                </a:cxn>
+              </a:cxnLst>
+              <a:rect l="0" t="0" r="r" b="b"/>
+              <a:pathLst>
+                <a:path w="3744" h="7488">
+                  <a:moveTo>
+                    <a:pt x="0" y="0"/>
+                  </a:moveTo>
+                  <a:cubicBezTo>
+                    <a:pt x="2068" y="0"/>
+                    <a:pt x="3744" y="1676"/>
+                    <a:pt x="3744" y="3744"/>
+                  </a:cubicBezTo>
+                  <a:cubicBezTo>
+                    <a:pt x="3744" y="5812"/>
+                    <a:pt x="2068" y="7488"/>
+                    <a:pt x="0" y="7488"/>
+                  </a:cubicBezTo>
+                  <a:lnTo>
+                    <a:pt x="0" y="0"/>
+                  </a:lnTo>
+                  <a:close/>
+                </a:path>
+              </a:pathLst>
+            </a:custGeom>
+            <a:solidFill>
+              <a:schemeClr val="bg1"/>
+            </a:solidFill>
+            <a:ln>
+              <a:noFill/>
+            </a:ln>
+            <a:extLst>
+              <a:ext uri="{91240B29-F687-4F45-9708-019B960494DF}">
+                <a14:hiddenLine xmlns:a14="http://schemas.microsoft.com/office/drawing/2010/main" w="9525">
+                  <a:solidFill>
+                    <a:srgbClr val="000000"/>
+                  </a:solidFill>
+                  <a:round/>
+                  <a:headEnd/>
+                  <a:tailEnd/>
+                </a14:hiddenLine>
+              </a:ext>
+            </a:extLst>
+          </p:spPr>
+          <p:txBody>
+            <a:bodyPr vert="horz" wrap="square" lIns="91440" tIns="45720" rIns="91440" bIns="45720" numCol="1" anchor="t" anchorCtr="0" compatLnSpc="1">
+              <a:prstTxWarp prst="textNoShape">
+                <a:avLst/>
+              </a:prstTxWarp>
+            </a:bodyPr>
+            <a:lstStyle/>
+            <a:p>
+              <a:endParaRPr lang="zh-CN" altLang="en-US"/>
+            </a:p>
+          </p:txBody>
+        </p:sp>
+        <p:sp>
+          <p:nvSpPr>
+            <p:cNvPr id="9" name="Freeform 17"/>
+            <p:cNvSpPr>
+              <a:spLocks/>
+            </p:cNvSpPr>
+            <p:nvPr/>
+          </p:nvSpPr>
+          <p:spPr bwMode="auto">
+            <a:xfrm>
+              <a:off x="15876" y="1930400"/>
+              <a:ext cx="1320800" cy="2641600"/>
+            </a:xfrm>
+            <a:custGeom>
+              <a:avLst/>
+              <a:gdLst>
+                <a:gd name="T0" fmla="*/ 0 w 3651"/>
+                <a:gd name="T1" fmla="*/ 0 h 7302"/>
+                <a:gd name="T2" fmla="*/ 3651 w 3651"/>
+                <a:gd name="T3" fmla="*/ 3651 h 7302"/>
+                <a:gd name="T4" fmla="*/ 0 w 3651"/>
+                <a:gd name="T5" fmla="*/ 7302 h 7302"/>
+                <a:gd name="T6" fmla="*/ 0 w 3651"/>
+                <a:gd name="T7" fmla="*/ 0 h 7302"/>
+              </a:gdLst>
+              <a:ahLst/>
+              <a:cxnLst>
+                <a:cxn ang="0">
+                  <a:pos x="T0" y="T1"/>
+                </a:cxn>
+                <a:cxn ang="0">
+                  <a:pos x="T2" y="T3"/>
+                </a:cxn>
+                <a:cxn ang="0">
+                  <a:pos x="T4" y="T5"/>
+                </a:cxn>
+                <a:cxn ang="0">
+                  <a:pos x="T6" y="T7"/>
+                </a:cxn>
+              </a:cxnLst>
+              <a:rect l="0" t="0" r="r" b="b"/>
+              <a:pathLst>
+                <a:path w="3651" h="7302">
+                  <a:moveTo>
+                    <a:pt x="0" y="0"/>
+                  </a:moveTo>
+                  <a:cubicBezTo>
+                    <a:pt x="2017" y="0"/>
+                    <a:pt x="3651" y="1634"/>
+                    <a:pt x="3651" y="3651"/>
+                  </a:cubicBezTo>
+                  <a:cubicBezTo>
+                    <a:pt x="3651" y="5668"/>
+                    <a:pt x="2017" y="7302"/>
+                    <a:pt x="0" y="7302"/>
+                  </a:cubicBezTo>
+                  <a:lnTo>
+                    <a:pt x="0" y="0"/>
+                  </a:lnTo>
+                  <a:close/>
+                </a:path>
+              </a:pathLst>
+            </a:custGeom>
+            <a:solidFill>
+              <a:srgbClr val="017FA6"/>
+            </a:solidFill>
+            <a:ln>
+              <a:noFill/>
+            </a:ln>
+            <a:extLst>
+              <a:ext uri="{91240B29-F687-4F45-9708-019B960494DF}">
+                <a14:hiddenLine xmlns:a14="http://schemas.microsoft.com/office/drawing/2010/main" w="9525">
+                  <a:solidFill>
+                    <a:srgbClr val="000000"/>
+                  </a:solidFill>
+                  <a:round/>
+                  <a:headEnd/>
+                  <a:tailEnd/>
+                </a14:hiddenLine>
+              </a:ext>
+            </a:extLst>
+          </p:spPr>
+          <p:txBody>
+            <a:bodyPr vert="horz" wrap="square" lIns="91440" tIns="45720" rIns="91440" bIns="45720" numCol="1" anchor="t" anchorCtr="0" compatLnSpc="1">
+              <a:prstTxWarp prst="textNoShape">
+                <a:avLst/>
+              </a:prstTxWarp>
+            </a:bodyPr>
+            <a:lstStyle/>
+            <a:p>
+              <a:endParaRPr lang="zh-CN" altLang="en-US"/>
+            </a:p>
+          </p:txBody>
+        </p:sp>
+        <p:sp>
+          <p:nvSpPr>
+            <p:cNvPr id="10" name="Freeform 18"/>
+            <p:cNvSpPr>
+              <a:spLocks/>
+            </p:cNvSpPr>
+            <p:nvPr/>
+          </p:nvSpPr>
+          <p:spPr bwMode="auto">
+            <a:xfrm>
+              <a:off x="547688" y="3171825"/>
+              <a:ext cx="93663" cy="158750"/>
+            </a:xfrm>
+            <a:custGeom>
+              <a:avLst/>
+              <a:gdLst>
+                <a:gd name="T0" fmla="*/ 219 w 258"/>
+                <a:gd name="T1" fmla="*/ 0 h 438"/>
+                <a:gd name="T2" fmla="*/ 0 w 258"/>
+                <a:gd name="T3" fmla="*/ 219 h 438"/>
+                <a:gd name="T4" fmla="*/ 219 w 258"/>
+                <a:gd name="T5" fmla="*/ 438 h 438"/>
+                <a:gd name="T6" fmla="*/ 258 w 258"/>
+                <a:gd name="T7" fmla="*/ 399 h 438"/>
+                <a:gd name="T8" fmla="*/ 78 w 258"/>
+                <a:gd name="T9" fmla="*/ 219 h 438"/>
+                <a:gd name="T10" fmla="*/ 258 w 258"/>
+                <a:gd name="T11" fmla="*/ 39 h 438"/>
+                <a:gd name="T12" fmla="*/ 219 w 258"/>
+                <a:gd name="T13" fmla="*/ 0 h 438"/>
+              </a:gdLst>
+              <a:ahLst/>
+              <a:cxnLst>
+                <a:cxn ang="0">
+                  <a:pos x="T0" y="T1"/>
+                </a:cxn>
+                <a:cxn ang="0">
+                  <a:pos x="T2" y="T3"/>
+                </a:cxn>
+                <a:cxn ang="0">
+                  <a:pos x="T4" y="T5"/>
+                </a:cxn>
+                <a:cxn ang="0">
+                  <a:pos x="T6" y="T7"/>
+                </a:cxn>
+                <a:cxn ang="0">
+                  <a:pos x="T8" y="T9"/>
+                </a:cxn>
+                <a:cxn ang="0">
+                  <a:pos x="T10" y="T11"/>
+                </a:cxn>
+                <a:cxn ang="0">
+                  <a:pos x="T12" y="T13"/>
+                </a:cxn>
+              </a:cxnLst>
+              <a:rect l="0" t="0" r="r" b="b"/>
+              <a:pathLst>
+                <a:path w="258" h="438">
+                  <a:moveTo>
+                    <a:pt x="219" y="0"/>
+                  </a:moveTo>
+                  <a:lnTo>
+                    <a:pt x="0" y="219"/>
+                  </a:lnTo>
+                  <a:lnTo>
+                    <a:pt x="219" y="438"/>
+                  </a:lnTo>
+                  <a:lnTo>
+                    <a:pt x="258" y="399"/>
+                  </a:lnTo>
+                  <a:lnTo>
+                    <a:pt x="78" y="219"/>
+                  </a:lnTo>
+                  <a:lnTo>
+                    <a:pt x="258" y="39"/>
+                  </a:lnTo>
+                  <a:lnTo>
+                    <a:pt x="219" y="0"/>
+                  </a:lnTo>
+                  <a:close/>
+                </a:path>
+              </a:pathLst>
+            </a:custGeom>
+            <a:solidFill>
+              <a:schemeClr val="bg1"/>
+            </a:solidFill>
+            <a:ln>
+              <a:noFill/>
+            </a:ln>
+            <a:extLst>
+              <a:ext uri="{91240B29-F687-4F45-9708-019B960494DF}">
+                <a14:hiddenLine xmlns:a14="http://schemas.microsoft.com/office/drawing/2010/main" w="9525">
+                  <a:solidFill>
+                    <a:srgbClr val="000000"/>
+                  </a:solidFill>
+                  <a:round/>
+                  <a:headEnd/>
+                  <a:tailEnd/>
+                </a14:hiddenLine>
+              </a:ext>
+            </a:extLst>
+          </p:spPr>
+          <p:txBody>
+            <a:bodyPr vert="horz" wrap="square" lIns="91440" tIns="45720" rIns="91440" bIns="45720" numCol="1" anchor="t" anchorCtr="0" compatLnSpc="1">
+              <a:prstTxWarp prst="textNoShape">
+                <a:avLst/>
+              </a:prstTxWarp>
+            </a:bodyPr>
+            <a:lstStyle/>
+            <a:p>
+              <a:endParaRPr lang="zh-CN" altLang="en-US"/>
+            </a:p>
+          </p:txBody>
+        </p:sp>
+      </p:grpSp>
+      <p:grpSp>
+        <p:nvGrpSpPr>
+          <p:cNvPr id="11" name="组合 10"/>
+          <p:cNvGrpSpPr/>
+          <p:nvPr/>
+        </p:nvGrpSpPr>
+        <p:grpSpPr>
+          <a:xfrm>
+            <a:off x="7804925" y="407231"/>
+            <a:ext cx="3059967" cy="901291"/>
+            <a:chOff x="2793091" y="1630533"/>
+            <a:chExt cx="3059967" cy="901291"/>
+          </a:xfrm>
+        </p:grpSpPr>
+        <p:sp>
+          <p:nvSpPr>
+            <p:cNvPr id="165" name="矩形 164"/>
+            <p:cNvSpPr/>
+            <p:nvPr/>
+          </p:nvSpPr>
+          <p:spPr>
+            <a:xfrm>
+              <a:off x="3872805" y="1630533"/>
+              <a:ext cx="1980253" cy="669156"/>
+            </a:xfrm>
+            <a:prstGeom prst="rect">
+              <a:avLst/>
+            </a:prstGeom>
+            <a:noFill/>
+            <a:ln w="28575">
+              <a:solidFill>
+                <a:schemeClr val="bg1"/>
+              </a:solidFill>
+            </a:ln>
+          </p:spPr>
+          <p:style>
+            <a:lnRef idx="2">
+              <a:schemeClr val="accent1">
+                <a:shade val="50000"/>
+              </a:schemeClr>
+            </a:lnRef>
+            <a:fillRef idx="1">
+              <a:schemeClr val="accent1"/>
+            </a:fillRef>
+            <a:effectRef idx="0">
+              <a:schemeClr val="accent1"/>
+            </a:effectRef>
+            <a:fontRef idx="minor">
+              <a:schemeClr val="lt1"/>
+            </a:fontRef>
+          </p:style>
+          <p:txBody>
+            <a:bodyPr rtlCol="0" anchor="ctr"/>
+            <a:lstStyle/>
+            <a:p>
+              <a:pPr algn="ctr"/>
+              <a:endParaRPr lang="zh-CN" altLang="en-US"/>
+            </a:p>
+          </p:txBody>
+        </p:sp>
+        <p:sp>
+          <p:nvSpPr>
+            <p:cNvPr id="12" name="TextBox 11"/>
+            <p:cNvSpPr txBox="1"/>
+            <p:nvPr/>
+          </p:nvSpPr>
+          <p:spPr>
+            <a:xfrm>
+              <a:off x="2793091" y="1947049"/>
+              <a:ext cx="2621230" cy="584775"/>
+            </a:xfrm>
+            <a:prstGeom prst="rect">
+              <a:avLst/>
+            </a:prstGeom>
+            <a:solidFill>
+              <a:srgbClr val="017FA6"/>
+            </a:solidFill>
+          </p:spPr>
+          <p:txBody>
+            <a:bodyPr wrap="none" rtlCol="0">
+              <a:spAutoFit/>
+            </a:bodyPr>
+            <a:lstStyle/>
+            <a:p>
+              <a:pPr algn="ctr"/>
+              <a:r>
+                <a:rPr lang="zh-TW" altLang="en-US" sz="3200" b="1" spc="600" dirty="0" smtClean="0">
+                  <a:solidFill>
+                    <a:schemeClr val="bg1"/>
+                  </a:solidFill>
+                  <a:latin typeface="微軟正黑體" panose="020B0604030504040204" pitchFamily="34" charset="-120"/>
+                  <a:ea typeface="微軟正黑體" panose="020B0604030504040204" pitchFamily="34" charset="-120"/>
+                </a:rPr>
+                <a:t>資料庫專題</a:t>
+              </a:r>
+              <a:endParaRPr lang="zh-CN" altLang="en-US" sz="3200" b="1" spc="600" dirty="0">
+                <a:solidFill>
+                  <a:schemeClr val="bg1"/>
+                </a:solidFill>
+                <a:latin typeface="微軟正黑體" panose="020B0604030504040204" pitchFamily="34" charset="-120"/>
+                <a:ea typeface="微軟正黑體" panose="020B0604030504040204" pitchFamily="34" charset="-120"/>
+              </a:endParaRPr>
+            </a:p>
+          </p:txBody>
+        </p:sp>
+      </p:grpSp>
+      <p:sp>
+        <p:nvSpPr>
+          <p:cNvPr id="51" name="文字方塊 50"/>
+          <p:cNvSpPr txBox="1"/>
+          <p:nvPr/>
+        </p:nvSpPr>
+        <p:spPr>
+          <a:xfrm>
+            <a:off x="11209022" y="6209633"/>
+            <a:ext cx="360046" cy="276999"/>
+          </a:xfrm>
+          <a:prstGeom prst="rect">
+            <a:avLst/>
+          </a:prstGeom>
+          <a:noFill/>
+        </p:spPr>
+        <p:txBody>
+          <a:bodyPr wrap="square" rtlCol="0">
+            <a:spAutoFit/>
+          </a:bodyPr>
+          <a:lstStyle/>
+          <a:p>
+            <a:r>
+              <a:rPr lang="en-US" altLang="zh-TW" sz="1200" dirty="0" smtClean="0">
+                <a:solidFill>
+                  <a:schemeClr val="bg1"/>
+                </a:solidFill>
+                <a:latin typeface="微軟正黑體" panose="020B0604030504040204" pitchFamily="34" charset="-120"/>
+                <a:ea typeface="微軟正黑體" panose="020B0604030504040204" pitchFamily="34" charset="-120"/>
+              </a:rPr>
+              <a:t>9</a:t>
+            </a:r>
+            <a:endParaRPr lang="zh-TW" altLang="en-US" sz="1200" dirty="0">
+              <a:solidFill>
+                <a:schemeClr val="bg1"/>
+              </a:solidFill>
+              <a:latin typeface="微軟正黑體" panose="020B0604030504040204" pitchFamily="34" charset="-120"/>
+              <a:ea typeface="微軟正黑體" panose="020B0604030504040204" pitchFamily="34" charset="-120"/>
+            </a:endParaRPr>
+          </a:p>
+        </p:txBody>
+      </p:sp>
+      <p:pic>
+        <p:nvPicPr>
+          <p:cNvPr id="23" name="圖片 28"/>
+          <p:cNvPicPr>
+            <a:picLocks noChangeAspect="1"/>
+          </p:cNvPicPr>
+          <p:nvPr/>
+        </p:nvPicPr>
+        <p:blipFill>
+          <a:blip r:embed="rId3">
+            <a:extLst>
+              <a:ext uri="{28A0092B-C50C-407E-A947-70E740481C1C}">
+                <a14:useLocalDpi xmlns:a14="http://schemas.microsoft.com/office/drawing/2010/main" val="0"/>
+              </a:ext>
+            </a:extLst>
+          </a:blip>
+          <a:stretch>
+            <a:fillRect/>
+          </a:stretch>
+        </p:blipFill>
+        <p:spPr>
+          <a:xfrm>
+            <a:off x="0" y="6300478"/>
+            <a:ext cx="647338" cy="171082"/>
+          </a:xfrm>
+          <a:prstGeom prst="rect">
+            <a:avLst/>
+          </a:prstGeom>
+          <a:ln w="12700" cap="flat">
+            <a:solidFill>
+              <a:srgbClr val="077AAD"/>
+            </a:solidFill>
+            <a:miter lim="400000"/>
+          </a:ln>
+          <a:effectLst/>
+        </p:spPr>
+      </p:pic>
+      <p:grpSp>
+        <p:nvGrpSpPr>
+          <p:cNvPr id="25" name="群組 24"/>
+          <p:cNvGrpSpPr/>
+          <p:nvPr/>
+        </p:nvGrpSpPr>
+        <p:grpSpPr>
+          <a:xfrm>
+            <a:off x="3635396" y="2014210"/>
+            <a:ext cx="5284302" cy="2610503"/>
+            <a:chOff x="1982495" y="2361147"/>
+            <a:chExt cx="4977296" cy="926438"/>
+          </a:xfrm>
+        </p:grpSpPr>
+        <p:grpSp>
+          <p:nvGrpSpPr>
+            <p:cNvPr id="27" name="组合 12"/>
+            <p:cNvGrpSpPr/>
+            <p:nvPr/>
+          </p:nvGrpSpPr>
+          <p:grpSpPr>
+            <a:xfrm>
+              <a:off x="1982495" y="2361147"/>
+              <a:ext cx="4977296" cy="381800"/>
+              <a:chOff x="1982495" y="2361147"/>
+              <a:chExt cx="4977296" cy="381800"/>
+            </a:xfrm>
+          </p:grpSpPr>
+          <p:sp>
+            <p:nvSpPr>
+              <p:cNvPr id="29" name="TextBox 14"/>
+              <p:cNvSpPr txBox="1"/>
+              <p:nvPr/>
+            </p:nvSpPr>
+            <p:spPr>
+              <a:xfrm>
+                <a:off x="1982496" y="2361147"/>
+                <a:ext cx="1050006" cy="185685"/>
+              </a:xfrm>
+              <a:prstGeom prst="rect">
+                <a:avLst/>
+              </a:prstGeom>
+              <a:noFill/>
+            </p:spPr>
+            <p:txBody>
+              <a:bodyPr wrap="none" rtlCol="0">
+                <a:spAutoFit/>
+              </a:bodyPr>
+              <a:lstStyle/>
+              <a:p>
+                <a:r>
+                  <a:rPr lang="zh-TW" altLang="en-US" sz="2800" b="1" dirty="0" smtClean="0">
+                    <a:solidFill>
+                      <a:schemeClr val="bg1"/>
+                    </a:solidFill>
+                    <a:latin typeface="微軟正黑體" panose="020B0604030504040204" pitchFamily="34" charset="-120"/>
+                    <a:ea typeface="微軟正黑體" panose="020B0604030504040204" pitchFamily="34" charset="-120"/>
+                  </a:rPr>
+                  <a:t>書評系統</a:t>
+                </a:r>
+                <a:endParaRPr lang="zh-CN" altLang="en-US" sz="2800" b="1" dirty="0">
+                  <a:solidFill>
+                    <a:schemeClr val="bg1"/>
+                  </a:solidFill>
+                  <a:latin typeface="微軟正黑體" panose="020B0604030504040204" pitchFamily="34" charset="-120"/>
+                  <a:ea typeface="微軟正黑體" panose="020B0604030504040204" pitchFamily="34" charset="-120"/>
+                </a:endParaRPr>
+              </a:p>
+            </p:txBody>
+          </p:sp>
+          <p:sp>
+            <p:nvSpPr>
+              <p:cNvPr id="30" name="矩形 29"/>
+              <p:cNvSpPr/>
+              <p:nvPr/>
+            </p:nvSpPr>
+            <p:spPr>
+              <a:xfrm>
+                <a:off x="1982495" y="2537647"/>
+                <a:ext cx="4977296" cy="205300"/>
+              </a:xfrm>
+              <a:prstGeom prst="rect">
+                <a:avLst/>
+              </a:prstGeom>
+            </p:spPr>
+            <p:txBody>
+              <a:bodyPr wrap="square">
+                <a:spAutoFit/>
+              </a:bodyPr>
+              <a:lstStyle/>
+              <a:p>
+                <a:pPr marL="342900" indent="-342900">
+                  <a:lnSpc>
+                    <a:spcPct val="150000"/>
+                  </a:lnSpc>
+                  <a:buFont typeface="Wingdings" panose="05000000000000000000" pitchFamily="2" charset="2"/>
+                  <a:buChar char="p"/>
+                </a:pPr>
+                <a:r>
+                  <a:rPr lang="en-US" altLang="zh-TW" sz="2400" dirty="0" smtClean="0">
+                    <a:solidFill>
+                      <a:schemeClr val="bg1"/>
+                    </a:solidFill>
+                    <a:latin typeface="微軟正黑體" panose="020B0604030504040204" pitchFamily="34" charset="-120"/>
+                    <a:ea typeface="微軟正黑體" panose="020B0604030504040204" pitchFamily="34" charset="-120"/>
+                  </a:rPr>
+                  <a:t>Visual Basic</a:t>
+                </a:r>
+                <a:r>
+                  <a:rPr lang="zh-TW" altLang="en-US" sz="2400" dirty="0" smtClean="0">
+                    <a:solidFill>
+                      <a:schemeClr val="bg1"/>
+                    </a:solidFill>
+                    <a:latin typeface="微軟正黑體" panose="020B0604030504040204" pitchFamily="34" charset="-120"/>
+                    <a:ea typeface="微軟正黑體" panose="020B0604030504040204" pitchFamily="34" charset="-120"/>
+                  </a:rPr>
+                  <a:t>、</a:t>
+                </a:r>
+                <a:r>
+                  <a:rPr lang="en-US" altLang="zh-TW" sz="2400" dirty="0" smtClean="0">
+                    <a:solidFill>
+                      <a:schemeClr val="bg1"/>
+                    </a:solidFill>
+                    <a:latin typeface="微軟正黑體" panose="020B0604030504040204" pitchFamily="34" charset="-120"/>
+                    <a:ea typeface="微軟正黑體" panose="020B0604030504040204" pitchFamily="34" charset="-120"/>
+                  </a:rPr>
+                  <a:t>SQL Server</a:t>
+                </a:r>
+                <a:endParaRPr lang="en-US" altLang="zh-TW" sz="2400" dirty="0" smtClean="0">
+                  <a:solidFill>
+                    <a:schemeClr val="bg1"/>
+                  </a:solidFill>
+                  <a:latin typeface="微軟正黑體" panose="020B0604030504040204" pitchFamily="34" charset="-120"/>
+                  <a:ea typeface="微軟正黑體" panose="020B0604030504040204" pitchFamily="34" charset="-120"/>
+                </a:endParaRPr>
+              </a:p>
+            </p:txBody>
+          </p:sp>
+        </p:grpSp>
+        <p:sp>
+          <p:nvSpPr>
+            <p:cNvPr id="28" name="矩形 27"/>
+            <p:cNvSpPr/>
+            <p:nvPr/>
+          </p:nvSpPr>
+          <p:spPr>
+            <a:xfrm>
+              <a:off x="2213606" y="2763298"/>
+              <a:ext cx="2880371" cy="524287"/>
+            </a:xfrm>
+            <a:prstGeom prst="rect">
+              <a:avLst/>
+            </a:prstGeom>
+          </p:spPr>
+          <p:txBody>
+            <a:bodyPr wrap="square">
+              <a:spAutoFit/>
+            </a:bodyPr>
+            <a:lstStyle/>
+            <a:p>
+              <a:pPr marL="228600" indent="-228600">
+                <a:lnSpc>
+                  <a:spcPct val="150000"/>
+                </a:lnSpc>
+                <a:buFont typeface="+mj-lt"/>
+                <a:buAutoNum type="arabicPeriod"/>
+              </a:pPr>
+              <a:r>
+                <a:rPr lang="zh-TW" altLang="en-US" sz="2000" dirty="0" smtClean="0">
+                  <a:solidFill>
+                    <a:schemeClr val="bg1"/>
+                  </a:solidFill>
+                  <a:latin typeface="微軟正黑體" panose="020B0604030504040204" pitchFamily="34" charset="-120"/>
+                  <a:ea typeface="微軟正黑體" panose="020B0604030504040204" pitchFamily="34" charset="-120"/>
+                </a:rPr>
+                <a:t>資料庫架設</a:t>
+              </a:r>
+              <a:endParaRPr lang="en-US" altLang="zh-TW" sz="2000" dirty="0" smtClean="0">
+                <a:solidFill>
+                  <a:schemeClr val="bg1"/>
+                </a:solidFill>
+                <a:latin typeface="微軟正黑體" panose="020B0604030504040204" pitchFamily="34" charset="-120"/>
+                <a:ea typeface="微軟正黑體" panose="020B0604030504040204" pitchFamily="34" charset="-120"/>
+              </a:endParaRPr>
+            </a:p>
+            <a:p>
+              <a:pPr marL="228600" indent="-228600">
+                <a:lnSpc>
+                  <a:spcPct val="150000"/>
+                </a:lnSpc>
+                <a:buFont typeface="+mj-lt"/>
+                <a:buAutoNum type="arabicPeriod"/>
+              </a:pPr>
+              <a:r>
+                <a:rPr lang="zh-TW" altLang="en-US" sz="2000" dirty="0">
+                  <a:solidFill>
+                    <a:schemeClr val="bg1"/>
+                  </a:solidFill>
+                  <a:latin typeface="微軟正黑體" panose="020B0604030504040204" pitchFamily="34" charset="-120"/>
+                  <a:ea typeface="微軟正黑體" panose="020B0604030504040204" pitchFamily="34" charset="-120"/>
+                </a:rPr>
+                <a:t>資料表</a:t>
+              </a:r>
+              <a:r>
+                <a:rPr lang="zh-TW" altLang="en-US" sz="2000" dirty="0" smtClean="0">
+                  <a:solidFill>
+                    <a:schemeClr val="bg1"/>
+                  </a:solidFill>
+                  <a:latin typeface="微軟正黑體" panose="020B0604030504040204" pitchFamily="34" charset="-120"/>
+                  <a:ea typeface="微軟正黑體" panose="020B0604030504040204" pitchFamily="34" charset="-120"/>
+                </a:rPr>
+                <a:t>規劃</a:t>
+              </a:r>
+              <a:endParaRPr lang="en-US" altLang="zh-TW" sz="2000" dirty="0" smtClean="0">
+                <a:solidFill>
+                  <a:schemeClr val="bg1"/>
+                </a:solidFill>
+                <a:latin typeface="微軟正黑體" panose="020B0604030504040204" pitchFamily="34" charset="-120"/>
+                <a:ea typeface="微軟正黑體" panose="020B0604030504040204" pitchFamily="34" charset="-120"/>
+              </a:endParaRPr>
+            </a:p>
+            <a:p>
+              <a:pPr marL="228600" indent="-228600">
+                <a:lnSpc>
+                  <a:spcPct val="150000"/>
+                </a:lnSpc>
+                <a:buFont typeface="+mj-lt"/>
+                <a:buAutoNum type="arabicPeriod"/>
+              </a:pPr>
+              <a:r>
+                <a:rPr lang="zh-TW" altLang="en-US" sz="2000" dirty="0" smtClean="0">
+                  <a:solidFill>
+                    <a:schemeClr val="bg1"/>
+                  </a:solidFill>
+                  <a:latin typeface="微軟正黑體" panose="020B0604030504040204" pitchFamily="34" charset="-120"/>
+                  <a:ea typeface="微軟正黑體" panose="020B0604030504040204" pitchFamily="34" charset="-120"/>
+                </a:rPr>
+                <a:t>功能程式開發</a:t>
+              </a:r>
+              <a:endParaRPr lang="en-US" altLang="zh-TW" sz="2000" dirty="0" smtClean="0">
+                <a:solidFill>
+                  <a:schemeClr val="bg1"/>
+                </a:solidFill>
+                <a:latin typeface="微軟正黑體" panose="020B0604030504040204" pitchFamily="34" charset="-120"/>
+                <a:ea typeface="微軟正黑體" panose="020B0604030504040204" pitchFamily="34" charset="-120"/>
+              </a:endParaRPr>
+            </a:p>
+          </p:txBody>
+        </p:sp>
+      </p:grpSp>
+    </p:spTree>
+    <p:extLst>
+      <p:ext uri="{BB962C8B-B14F-4D97-AF65-F5344CB8AC3E}">
+        <p14:creationId xmlns:p14="http://schemas.microsoft.com/office/powerpoint/2010/main" val="2008814133"/>
+      </p:ext>
+    </p:extLst>
+  </p:cSld>
+  <p:clrMapOvr>
+    <a:masterClrMapping/>
+  </p:clrMapOvr>
+  <mc:AlternateContent xmlns:mc="http://schemas.openxmlformats.org/markup-compatibility/2006" xmlns:p14="http://schemas.microsoft.com/office/powerpoint/2010/main">
+    <mc:Choice Requires="p14">
+      <p:transition spd="slow" p14:dur="1500">
+        <p:push/>
+      </p:transition>
+    </mc:Choice>
+    <mc:Fallback xmlns="">
+      <p:transition spd="slow">
+        <p:push/>
+      </p:transition>
+    </mc:Fallback>
+  </mc:AlternateContent>
+  <p:timing>
+    <p:tnLst>
+      <p:par>
+        <p:cTn id="1" dur="indefinite" restart="never" nodeType="tmRoot"/>
+      </p:par>
+    </p:tnLst>
+  </p:timing>
+</p:sld>
+</file>
+
+<file path=ppt/slides/slide11.xml><?xml version="1.0" encoding="utf-8"?>
+<p:sld xmlns:a="http://schemas.openxmlformats.org/drawingml/2006/main" xmlns:r="http://schemas.openxmlformats.org/officeDocument/2006/relationships" xmlns:p="http://schemas.openxmlformats.org/presentationml/2006/main">
+  <p:cSld>
+    <p:bg>
+      <p:bgPr>
+        <a:solidFill>
+          <a:srgbClr val="017FA6"/>
+        </a:solidFill>
+        <a:effectLst/>
+      </p:bgPr>
+    </p:bg>
+    <p:spTree>
+      <p:nvGrpSpPr>
+        <p:cNvPr id="1" name=""/>
+        <p:cNvGrpSpPr/>
+        <p:nvPr/>
+      </p:nvGrpSpPr>
+      <p:grpSpPr>
+        <a:xfrm>
+          <a:off x="0" y="0"/>
+          <a:ext cx="0" cy="0"/>
+          <a:chOff x="0" y="0"/>
+          <a:chExt cx="0" cy="0"/>
+        </a:xfrm>
+      </p:grpSpPr>
+      <p:grpSp>
+        <p:nvGrpSpPr>
+          <p:cNvPr id="26" name="组合 25"/>
+          <p:cNvGrpSpPr/>
+          <p:nvPr/>
+        </p:nvGrpSpPr>
+        <p:grpSpPr>
+          <a:xfrm>
+            <a:off x="4085778" y="504585"/>
+            <a:ext cx="2688006" cy="669156"/>
+            <a:chOff x="2010055" y="1569528"/>
+            <a:chExt cx="2688006" cy="669156"/>
+          </a:xfrm>
+        </p:grpSpPr>
+        <p:sp>
+          <p:nvSpPr>
+            <p:cNvPr id="12" name="TextBox 11"/>
+            <p:cNvSpPr txBox="1"/>
+            <p:nvPr/>
+          </p:nvSpPr>
+          <p:spPr>
+            <a:xfrm>
+              <a:off x="2287099" y="1611718"/>
+              <a:ext cx="2133918" cy="584775"/>
+            </a:xfrm>
+            <a:prstGeom prst="rect">
+              <a:avLst/>
+            </a:prstGeom>
+            <a:noFill/>
+          </p:spPr>
+          <p:txBody>
+            <a:bodyPr wrap="none" rtlCol="0">
+              <a:spAutoFit/>
+            </a:bodyPr>
+            <a:lstStyle/>
+            <a:p>
+              <a:pPr algn="ctr"/>
+              <a:r>
+                <a:rPr lang="zh-TW" altLang="en-US" sz="3200" b="1" spc="600" dirty="0" smtClean="0">
+                  <a:solidFill>
+                    <a:schemeClr val="bg1"/>
+                  </a:solidFill>
+                  <a:latin typeface="微軟正黑體" panose="020B0604030504040204" pitchFamily="34" charset="-120"/>
+                  <a:ea typeface="微軟正黑體" panose="020B0604030504040204" pitchFamily="34" charset="-120"/>
+                </a:rPr>
+                <a:t>其他經歷</a:t>
+              </a:r>
+              <a:endParaRPr lang="zh-CN" altLang="en-US" sz="3200" b="1" spc="600" dirty="0">
+                <a:solidFill>
+                  <a:schemeClr val="bg1"/>
+                </a:solidFill>
+                <a:latin typeface="微軟正黑體" panose="020B0604030504040204" pitchFamily="34" charset="-120"/>
+                <a:ea typeface="微軟正黑體" panose="020B0604030504040204" pitchFamily="34" charset="-120"/>
+              </a:endParaRPr>
+            </a:p>
+          </p:txBody>
+        </p:sp>
+        <p:sp>
+          <p:nvSpPr>
+            <p:cNvPr id="25" name="矩形 24"/>
+            <p:cNvSpPr/>
+            <p:nvPr/>
+          </p:nvSpPr>
+          <p:spPr>
+            <a:xfrm>
+              <a:off x="2010055" y="1569528"/>
+              <a:ext cx="2688006" cy="669156"/>
+            </a:xfrm>
+            <a:prstGeom prst="rect">
+              <a:avLst/>
+            </a:prstGeom>
+            <a:noFill/>
+            <a:ln w="28575">
+              <a:solidFill>
+                <a:schemeClr val="bg1"/>
+              </a:solidFill>
+            </a:ln>
+          </p:spPr>
+          <p:style>
+            <a:lnRef idx="2">
+              <a:schemeClr val="accent1">
+                <a:shade val="50000"/>
+              </a:schemeClr>
+            </a:lnRef>
+            <a:fillRef idx="1">
+              <a:schemeClr val="accent1"/>
+            </a:fillRef>
+            <a:effectRef idx="0">
+              <a:schemeClr val="accent1"/>
+            </a:effectRef>
+            <a:fontRef idx="minor">
+              <a:schemeClr val="lt1"/>
+            </a:fontRef>
+          </p:style>
+          <p:txBody>
+            <a:bodyPr rtlCol="0" anchor="ctr"/>
+            <a:lstStyle/>
+            <a:p>
+              <a:pPr algn="ctr"/>
+              <a:endParaRPr lang="zh-CN" altLang="en-US"/>
+            </a:p>
+          </p:txBody>
+        </p:sp>
+      </p:grpSp>
+      <p:sp>
+        <p:nvSpPr>
+          <p:cNvPr id="15" name="TextBox 14"/>
+          <p:cNvSpPr txBox="1"/>
+          <p:nvPr/>
+        </p:nvSpPr>
+        <p:spPr>
+          <a:xfrm>
+            <a:off x="4260230" y="1217632"/>
+            <a:ext cx="2339102" cy="461665"/>
+          </a:xfrm>
+          <a:prstGeom prst="rect">
+            <a:avLst/>
+          </a:prstGeom>
+          <a:noFill/>
+        </p:spPr>
+        <p:txBody>
+          <a:bodyPr wrap="none" rtlCol="0">
+            <a:spAutoFit/>
+          </a:bodyPr>
+          <a:lstStyle/>
+          <a:p>
+            <a:pPr algn="ctr"/>
+            <a:r>
+              <a:rPr lang="zh-TW" altLang="en-US" sz="2400" b="1" dirty="0">
+                <a:solidFill>
+                  <a:schemeClr val="bg1"/>
+                </a:solidFill>
+                <a:latin typeface="微軟正黑體" panose="020B0604030504040204" pitchFamily="34" charset="-120"/>
+                <a:ea typeface="微軟正黑體" panose="020B0604030504040204" pitchFamily="34" charset="-120"/>
+              </a:rPr>
+              <a:t>系上排球隊隊長</a:t>
+            </a:r>
+          </a:p>
+        </p:txBody>
+      </p:sp>
+      <p:sp>
+        <p:nvSpPr>
+          <p:cNvPr id="20" name="文字方塊 19"/>
+          <p:cNvSpPr txBox="1"/>
+          <p:nvPr/>
+        </p:nvSpPr>
+        <p:spPr>
+          <a:xfrm>
+            <a:off x="11161727" y="6209633"/>
+            <a:ext cx="407341" cy="276999"/>
+          </a:xfrm>
+          <a:prstGeom prst="rect">
+            <a:avLst/>
+          </a:prstGeom>
+          <a:noFill/>
+        </p:spPr>
+        <p:txBody>
+          <a:bodyPr wrap="square" rtlCol="0">
+            <a:spAutoFit/>
+          </a:bodyPr>
+          <a:lstStyle/>
+          <a:p>
+            <a:r>
+              <a:rPr lang="en-US" altLang="zh-TW" sz="1200" dirty="0" smtClean="0">
+                <a:solidFill>
+                  <a:schemeClr val="bg1"/>
+                </a:solidFill>
+                <a:latin typeface="微軟正黑體" panose="020B0604030504040204" pitchFamily="34" charset="-120"/>
+                <a:ea typeface="微軟正黑體" panose="020B0604030504040204" pitchFamily="34" charset="-120"/>
+              </a:rPr>
+              <a:t>10</a:t>
+            </a:r>
+            <a:endParaRPr lang="zh-TW" altLang="en-US" sz="1200" dirty="0">
+              <a:solidFill>
+                <a:schemeClr val="bg1"/>
+              </a:solidFill>
+              <a:latin typeface="微軟正黑體" panose="020B0604030504040204" pitchFamily="34" charset="-120"/>
+              <a:ea typeface="微軟正黑體" panose="020B0604030504040204" pitchFamily="34" charset="-120"/>
+            </a:endParaRPr>
+          </a:p>
+        </p:txBody>
+      </p:sp>
+      <p:pic>
+        <p:nvPicPr>
+          <p:cNvPr id="17" name="圖片 28"/>
+          <p:cNvPicPr>
+            <a:picLocks noChangeAspect="1"/>
+          </p:cNvPicPr>
+          <p:nvPr/>
+        </p:nvPicPr>
+        <p:blipFill>
+          <a:blip r:embed="rId2">
+            <a:extLst>
+              <a:ext uri="{28A0092B-C50C-407E-A947-70E740481C1C}">
+                <a14:useLocalDpi xmlns:a14="http://schemas.microsoft.com/office/drawing/2010/main" val="0"/>
+              </a:ext>
+            </a:extLst>
+          </a:blip>
+          <a:stretch>
+            <a:fillRect/>
+          </a:stretch>
+        </p:blipFill>
+        <p:spPr>
+          <a:xfrm>
+            <a:off x="0" y="6309419"/>
+            <a:ext cx="647338" cy="171082"/>
+          </a:xfrm>
+          <a:prstGeom prst="rect">
+            <a:avLst/>
+          </a:prstGeom>
+          <a:ln w="12700" cap="flat">
+            <a:solidFill>
+              <a:srgbClr val="077AAD"/>
+            </a:solidFill>
+            <a:miter lim="400000"/>
+          </a:ln>
+          <a:effectLst/>
+        </p:spPr>
+      </p:pic>
+      <p:pic>
+        <p:nvPicPr>
+          <p:cNvPr id="21" name="圖片 20"/>
+          <p:cNvPicPr>
+            <a:picLocks noChangeAspect="1"/>
+          </p:cNvPicPr>
+          <p:nvPr/>
+        </p:nvPicPr>
+        <p:blipFill>
+          <a:blip r:embed="rId3" cstate="print">
+            <a:extLst>
+              <a:ext uri="{28A0092B-C50C-407E-A947-70E740481C1C}">
+                <a14:useLocalDpi xmlns:a14="http://schemas.microsoft.com/office/drawing/2010/main" val="0"/>
+              </a:ext>
+            </a:extLst>
+          </a:blip>
+          <a:stretch>
+            <a:fillRect/>
+          </a:stretch>
+        </p:blipFill>
+        <p:spPr>
+          <a:xfrm>
+            <a:off x="3202579" y="1749537"/>
+            <a:ext cx="4454404" cy="4454404"/>
+          </a:xfrm>
+          <a:prstGeom prst="rect">
+            <a:avLst/>
+          </a:prstGeom>
+        </p:spPr>
+      </p:pic>
+    </p:spTree>
+    <p:extLst>
+      <p:ext uri="{BB962C8B-B14F-4D97-AF65-F5344CB8AC3E}">
+        <p14:creationId xmlns:p14="http://schemas.microsoft.com/office/powerpoint/2010/main" val="81005535"/>
+      </p:ext>
+    </p:extLst>
+  </p:cSld>
+  <p:clrMapOvr>
+    <a:masterClrMapping/>
+  </p:clrMapOvr>
+  <mc:AlternateContent xmlns:mc="http://schemas.openxmlformats.org/markup-compatibility/2006" xmlns:p14="http://schemas.microsoft.com/office/powerpoint/2010/main">
+    <mc:Choice Requires="p14">
+      <p:transition p14:dur="0"/>
+    </mc:Choice>
+    <mc:Fallback xmlns="">
+      <p:transition/>
+    </mc:Fallback>
+  </mc:AlternateContent>
+  <p:timing>
+    <p:tnLst>
+      <p:par>
+        <p:cTn id="1" dur="indefinite" restart="never" nodeType="tmRoot"/>
+      </p:par>
+    </p:tnLst>
+  </p:timing>
+</p:sld>
+</file>
+
+<file path=ppt/slides/slide12.xml><?xml version="1.0" encoding="utf-8"?>
 <p:sld xmlns:a="http://schemas.openxmlformats.org/drawingml/2006/main" xmlns:r="http://schemas.openxmlformats.org/officeDocument/2006/relationships" xmlns:p="http://schemas.openxmlformats.org/presentationml/2006/main">
   <p:cSld>
     <p:bg>
@@ -7175,13 +8372,6 @@
                   </a:rPr>
                   <a:t>GIT</a:t>
                 </a:r>
-                <a:endParaRPr lang="en-US" altLang="zh-TW" sz="2400" dirty="0" smtClean="0">
-                  <a:solidFill>
-                    <a:schemeClr val="bg1"/>
-                  </a:solidFill>
-                  <a:latin typeface="微軟正黑體" panose="020B0604030504040204" pitchFamily="34" charset="-120"/>
-                  <a:ea typeface="微軟正黑體" panose="020B0604030504040204" pitchFamily="34" charset="-120"/>
-                </a:endParaRPr>
               </a:p>
             </p:txBody>
           </p:sp>
@@ -9573,517 +10763,6 @@
           <a:chExt cx="0" cy="0"/>
         </a:xfrm>
       </p:grpSpPr>
-      <p:grpSp>
-        <p:nvGrpSpPr>
-          <p:cNvPr id="11" name="组合 10"/>
-          <p:cNvGrpSpPr/>
-          <p:nvPr/>
-        </p:nvGrpSpPr>
-        <p:grpSpPr>
-          <a:xfrm>
-            <a:off x="6121083" y="407231"/>
-            <a:ext cx="4743809" cy="752020"/>
-            <a:chOff x="1109249" y="1630533"/>
-            <a:chExt cx="4743809" cy="752020"/>
-          </a:xfrm>
-        </p:grpSpPr>
-        <p:sp>
-          <p:nvSpPr>
-            <p:cNvPr id="165" name="矩形 164"/>
-            <p:cNvSpPr/>
-            <p:nvPr/>
-          </p:nvSpPr>
-          <p:spPr>
-            <a:xfrm>
-              <a:off x="3872805" y="1630533"/>
-              <a:ext cx="1980253" cy="669156"/>
-            </a:xfrm>
-            <a:prstGeom prst="rect">
-              <a:avLst/>
-            </a:prstGeom>
-            <a:noFill/>
-            <a:ln w="28575">
-              <a:solidFill>
-                <a:schemeClr val="bg1"/>
-              </a:solidFill>
-            </a:ln>
-          </p:spPr>
-          <p:style>
-            <a:lnRef idx="2">
-              <a:schemeClr val="accent1">
-                <a:shade val="50000"/>
-              </a:schemeClr>
-            </a:lnRef>
-            <a:fillRef idx="1">
-              <a:schemeClr val="accent1"/>
-            </a:fillRef>
-            <a:effectRef idx="0">
-              <a:schemeClr val="accent1"/>
-            </a:effectRef>
-            <a:fontRef idx="minor">
-              <a:schemeClr val="lt1"/>
-            </a:fontRef>
-          </p:style>
-          <p:txBody>
-            <a:bodyPr rtlCol="0" anchor="ctr"/>
-            <a:lstStyle/>
-            <a:p>
-              <a:pPr algn="ctr"/>
-              <a:endParaRPr lang="zh-CN" altLang="en-US" dirty="0"/>
-            </a:p>
-          </p:txBody>
-        </p:sp>
-        <p:sp>
-          <p:nvSpPr>
-            <p:cNvPr id="12" name="TextBox 11"/>
-            <p:cNvSpPr txBox="1"/>
-            <p:nvPr/>
-          </p:nvSpPr>
-          <p:spPr>
-            <a:xfrm>
-              <a:off x="1109249" y="1982443"/>
-              <a:ext cx="4519186" cy="400110"/>
-            </a:xfrm>
-            <a:prstGeom prst="rect">
-              <a:avLst/>
-            </a:prstGeom>
-            <a:solidFill>
-              <a:srgbClr val="017FA6"/>
-            </a:solidFill>
-          </p:spPr>
-          <p:txBody>
-            <a:bodyPr wrap="none" rtlCol="0">
-              <a:spAutoFit/>
-            </a:bodyPr>
-            <a:lstStyle/>
-            <a:p>
-              <a:pPr algn="ctr"/>
-              <a:r>
-                <a:rPr lang="zh-TW" altLang="en-US" sz="2000" b="1" spc="600" dirty="0">
-                  <a:solidFill>
-                    <a:schemeClr val="bg1"/>
-                  </a:solidFill>
-                  <a:latin typeface="微軟正黑體" panose="020B0604030504040204" pitchFamily="34" charset="-120"/>
-                  <a:ea typeface="微軟正黑體" panose="020B0604030504040204" pitchFamily="34" charset="-120"/>
-                </a:rPr>
-                <a:t>直播平台使用者訂閱預測</a:t>
-              </a:r>
-              <a:r>
-                <a:rPr lang="zh-TW" altLang="en-US" sz="2000" b="1" spc="600" dirty="0" smtClean="0">
-                  <a:solidFill>
-                    <a:schemeClr val="bg1"/>
-                  </a:solidFill>
-                  <a:latin typeface="微軟正黑體" panose="020B0604030504040204" pitchFamily="34" charset="-120"/>
-                  <a:ea typeface="微軟正黑體" panose="020B0604030504040204" pitchFamily="34" charset="-120"/>
-                </a:rPr>
-                <a:t>模式</a:t>
-              </a:r>
-              <a:endParaRPr lang="zh-TW" altLang="en-US" sz="2000" b="1" spc="600" dirty="0">
-                <a:solidFill>
-                  <a:schemeClr val="bg1"/>
-                </a:solidFill>
-                <a:latin typeface="微軟正黑體" panose="020B0604030504040204" pitchFamily="34" charset="-120"/>
-                <a:ea typeface="微軟正黑體" panose="020B0604030504040204" pitchFamily="34" charset="-120"/>
-              </a:endParaRPr>
-            </a:p>
-          </p:txBody>
-        </p:sp>
-      </p:grpSp>
-      <p:sp>
-        <p:nvSpPr>
-          <p:cNvPr id="51" name="文字方塊 50"/>
-          <p:cNvSpPr txBox="1"/>
-          <p:nvPr/>
-        </p:nvSpPr>
-        <p:spPr>
-          <a:xfrm>
-            <a:off x="11209022" y="6209633"/>
-            <a:ext cx="360046" cy="276999"/>
-          </a:xfrm>
-          <a:prstGeom prst="rect">
-            <a:avLst/>
-          </a:prstGeom>
-          <a:noFill/>
-        </p:spPr>
-        <p:txBody>
-          <a:bodyPr wrap="square" rtlCol="0">
-            <a:spAutoFit/>
-          </a:bodyPr>
-          <a:lstStyle/>
-          <a:p>
-            <a:r>
-              <a:rPr lang="en-US" altLang="zh-TW" sz="1200" dirty="0" smtClean="0">
-                <a:solidFill>
-                  <a:schemeClr val="bg1"/>
-                </a:solidFill>
-                <a:latin typeface="微軟正黑體" panose="020B0604030504040204" pitchFamily="34" charset="-120"/>
-                <a:ea typeface="微軟正黑體" panose="020B0604030504040204" pitchFamily="34" charset="-120"/>
-              </a:rPr>
-              <a:t>6</a:t>
-            </a:r>
-            <a:endParaRPr lang="zh-TW" altLang="en-US" sz="1200" dirty="0">
-              <a:solidFill>
-                <a:schemeClr val="bg1"/>
-              </a:solidFill>
-              <a:latin typeface="微軟正黑體" panose="020B0604030504040204" pitchFamily="34" charset="-120"/>
-              <a:ea typeface="微軟正黑體" panose="020B0604030504040204" pitchFamily="34" charset="-120"/>
-            </a:endParaRPr>
-          </a:p>
-        </p:txBody>
-      </p:sp>
-      <p:sp>
-        <p:nvSpPr>
-          <p:cNvPr id="22" name="TextBox 11"/>
-          <p:cNvSpPr txBox="1"/>
-          <p:nvPr/>
-        </p:nvSpPr>
-        <p:spPr>
-          <a:xfrm>
-            <a:off x="9075105" y="200166"/>
-            <a:ext cx="2133917" cy="584775"/>
-          </a:xfrm>
-          <a:prstGeom prst="rect">
-            <a:avLst/>
-          </a:prstGeom>
-          <a:solidFill>
-            <a:srgbClr val="017FA6"/>
-          </a:solidFill>
-        </p:spPr>
-        <p:txBody>
-          <a:bodyPr wrap="none" rtlCol="0">
-            <a:spAutoFit/>
-          </a:bodyPr>
-          <a:lstStyle/>
-          <a:p>
-            <a:pPr algn="ctr"/>
-            <a:r>
-              <a:rPr lang="zh-TW" altLang="en-US" sz="3200" b="1" spc="600" dirty="0" smtClean="0">
-                <a:solidFill>
-                  <a:schemeClr val="bg1"/>
-                </a:solidFill>
-                <a:latin typeface="微軟正黑體" panose="020B0604030504040204" pitchFamily="34" charset="-120"/>
-                <a:ea typeface="微軟正黑體" panose="020B0604030504040204" pitchFamily="34" charset="-120"/>
-              </a:rPr>
-              <a:t>碩士論文</a:t>
-            </a:r>
-            <a:endParaRPr lang="zh-CN" altLang="en-US" sz="3200" b="1" spc="600" dirty="0">
-              <a:solidFill>
-                <a:schemeClr val="bg1"/>
-              </a:solidFill>
-              <a:latin typeface="微軟正黑體" panose="020B0604030504040204" pitchFamily="34" charset="-120"/>
-              <a:ea typeface="微軟正黑體" panose="020B0604030504040204" pitchFamily="34" charset="-120"/>
-            </a:endParaRPr>
-          </a:p>
-        </p:txBody>
-      </p:sp>
-      <p:grpSp>
-        <p:nvGrpSpPr>
-          <p:cNvPr id="23" name="群組 22"/>
-          <p:cNvGrpSpPr/>
-          <p:nvPr/>
-        </p:nvGrpSpPr>
-        <p:grpSpPr>
-          <a:xfrm>
-            <a:off x="1440485" y="1799903"/>
-            <a:ext cx="7683749" cy="3805215"/>
-            <a:chOff x="1316699" y="2276360"/>
-            <a:chExt cx="7683749" cy="3805215"/>
-          </a:xfrm>
-        </p:grpSpPr>
-        <p:grpSp>
-          <p:nvGrpSpPr>
-            <p:cNvPr id="24" name="群組 23"/>
-            <p:cNvGrpSpPr/>
-            <p:nvPr/>
-          </p:nvGrpSpPr>
-          <p:grpSpPr>
-            <a:xfrm>
-              <a:off x="1316700" y="2276360"/>
-              <a:ext cx="7683748" cy="1941373"/>
-              <a:chOff x="1981845" y="2497031"/>
-              <a:chExt cx="4977296" cy="688971"/>
-            </a:xfrm>
-          </p:grpSpPr>
-          <p:sp>
-            <p:nvSpPr>
-              <p:cNvPr id="27" name="矩形 26"/>
-              <p:cNvSpPr/>
-              <p:nvPr/>
-            </p:nvSpPr>
-            <p:spPr>
-              <a:xfrm>
-                <a:off x="1981845" y="2497031"/>
-                <a:ext cx="4977296" cy="205300"/>
-              </a:xfrm>
-              <a:prstGeom prst="rect">
-                <a:avLst/>
-              </a:prstGeom>
-            </p:spPr>
-            <p:txBody>
-              <a:bodyPr wrap="square">
-                <a:spAutoFit/>
-              </a:bodyPr>
-              <a:lstStyle/>
-              <a:p>
-                <a:pPr marL="342900" indent="-342900">
-                  <a:lnSpc>
-                    <a:spcPct val="150000"/>
-                  </a:lnSpc>
-                  <a:buFont typeface="Wingdings" panose="05000000000000000000" pitchFamily="2" charset="2"/>
-                  <a:buChar char="p"/>
-                </a:pPr>
-                <a:r>
-                  <a:rPr lang="zh-TW" altLang="en-US" sz="2400" b="1" dirty="0" smtClean="0">
-                    <a:solidFill>
-                      <a:schemeClr val="bg1"/>
-                    </a:solidFill>
-                    <a:latin typeface="微軟正黑體" panose="020B0604030504040204" pitchFamily="34" charset="-120"/>
-                    <a:ea typeface="微軟正黑體" panose="020B0604030504040204" pitchFamily="34" charset="-120"/>
-                  </a:rPr>
-                  <a:t>背景</a:t>
-                </a:r>
-                <a:endParaRPr lang="en-US" altLang="zh-TW" sz="2400" b="1" dirty="0" smtClean="0">
-                  <a:solidFill>
-                    <a:schemeClr val="bg1"/>
-                  </a:solidFill>
-                  <a:latin typeface="微軟正黑體" panose="020B0604030504040204" pitchFamily="34" charset="-120"/>
-                  <a:ea typeface="微軟正黑體" panose="020B0604030504040204" pitchFamily="34" charset="-120"/>
-                </a:endParaRPr>
-              </a:p>
-            </p:txBody>
-          </p:sp>
-          <p:sp>
-            <p:nvSpPr>
-              <p:cNvPr id="28" name="矩形 27"/>
-              <p:cNvSpPr/>
-              <p:nvPr/>
-            </p:nvSpPr>
-            <p:spPr>
-              <a:xfrm>
-                <a:off x="2212954" y="2661715"/>
-                <a:ext cx="4396345" cy="524287"/>
-              </a:xfrm>
-              <a:prstGeom prst="rect">
-                <a:avLst/>
-              </a:prstGeom>
-            </p:spPr>
-            <p:txBody>
-              <a:bodyPr wrap="square">
-                <a:spAutoFit/>
-              </a:bodyPr>
-              <a:lstStyle/>
-              <a:p>
-                <a:pPr>
-                  <a:lnSpc>
-                    <a:spcPct val="150000"/>
-                  </a:lnSpc>
-                </a:pPr>
-                <a:r>
-                  <a:rPr lang="zh-TW" altLang="en-US" sz="2000" dirty="0">
-                    <a:solidFill>
-                      <a:schemeClr val="bg1"/>
-                    </a:solidFill>
-                    <a:latin typeface="微軟正黑體" panose="020B0604030504040204" pitchFamily="34" charset="-120"/>
-                    <a:ea typeface="微軟正黑體" panose="020B0604030504040204" pitchFamily="34" charset="-120"/>
-                  </a:rPr>
-                  <a:t>以往研究多採用屬於「時間序列」的聊天室行為資料建立預測模型，對於屬於「非時間序列」的消費者個人資料則較少採用。</a:t>
-                </a:r>
-                <a:endParaRPr lang="en-US" altLang="zh-TW" sz="2000" dirty="0" smtClean="0">
-                  <a:solidFill>
-                    <a:schemeClr val="bg1"/>
-                  </a:solidFill>
-                  <a:latin typeface="微軟正黑體" panose="020B0604030504040204" pitchFamily="34" charset="-120"/>
-                  <a:ea typeface="微軟正黑體" panose="020B0604030504040204" pitchFamily="34" charset="-120"/>
-                </a:endParaRPr>
-              </a:p>
-            </p:txBody>
-          </p:sp>
-        </p:grpSp>
-        <p:sp>
-          <p:nvSpPr>
-            <p:cNvPr id="25" name="矩形 24"/>
-            <p:cNvSpPr/>
-            <p:nvPr/>
-          </p:nvSpPr>
-          <p:spPr>
-            <a:xfrm>
-              <a:off x="1316699" y="4140202"/>
-              <a:ext cx="7683748" cy="578492"/>
-            </a:xfrm>
-            <a:prstGeom prst="rect">
-              <a:avLst/>
-            </a:prstGeom>
-          </p:spPr>
-          <p:txBody>
-            <a:bodyPr wrap="square">
-              <a:spAutoFit/>
-            </a:bodyPr>
-            <a:lstStyle/>
-            <a:p>
-              <a:pPr marL="342900" indent="-342900">
-                <a:lnSpc>
-                  <a:spcPct val="150000"/>
-                </a:lnSpc>
-                <a:buFont typeface="Wingdings" panose="05000000000000000000" pitchFamily="2" charset="2"/>
-                <a:buChar char="p"/>
-              </a:pPr>
-              <a:r>
-                <a:rPr lang="zh-TW" altLang="en-US" sz="2400" b="1" dirty="0" smtClean="0">
-                  <a:solidFill>
-                    <a:schemeClr val="bg1"/>
-                  </a:solidFill>
-                  <a:latin typeface="微軟正黑體" panose="020B0604030504040204" pitchFamily="34" charset="-120"/>
-                  <a:ea typeface="微軟正黑體" panose="020B0604030504040204" pitchFamily="34" charset="-120"/>
-                </a:rPr>
-                <a:t>目的</a:t>
-              </a:r>
-              <a:endParaRPr lang="en-US" altLang="zh-TW" sz="2400" b="1" dirty="0" smtClean="0">
-                <a:solidFill>
-                  <a:schemeClr val="bg1"/>
-                </a:solidFill>
-                <a:latin typeface="微軟正黑體" panose="020B0604030504040204" pitchFamily="34" charset="-120"/>
-                <a:ea typeface="微軟正黑體" panose="020B0604030504040204" pitchFamily="34" charset="-120"/>
-              </a:endParaRPr>
-            </a:p>
-          </p:txBody>
-        </p:sp>
-        <p:sp>
-          <p:nvSpPr>
-            <p:cNvPr id="26" name="矩形 25"/>
-            <p:cNvSpPr/>
-            <p:nvPr/>
-          </p:nvSpPr>
-          <p:spPr>
-            <a:xfrm>
-              <a:off x="1673477" y="4604246"/>
-              <a:ext cx="6786899" cy="1477329"/>
-            </a:xfrm>
-            <a:prstGeom prst="rect">
-              <a:avLst/>
-            </a:prstGeom>
-          </p:spPr>
-          <p:txBody>
-            <a:bodyPr wrap="square">
-              <a:spAutoFit/>
-            </a:bodyPr>
-            <a:lstStyle/>
-            <a:p>
-              <a:pPr>
-                <a:lnSpc>
-                  <a:spcPct val="150000"/>
-                </a:lnSpc>
-              </a:pPr>
-              <a:r>
-                <a:rPr lang="zh-TW" altLang="en-US" sz="2000" dirty="0">
-                  <a:solidFill>
-                    <a:schemeClr val="bg1"/>
-                  </a:solidFill>
-                  <a:latin typeface="微軟正黑體" panose="020B0604030504040204" pitchFamily="34" charset="-120"/>
-                  <a:ea typeface="微軟正黑體" panose="020B0604030504040204" pitchFamily="34" charset="-120"/>
-                </a:rPr>
-                <a:t>為了能夠有效利用聊天室行為資料以及消費者個人資料，本研究利用監督式學習的方法，提出將兩種資料型態結合的預測模型建構方式。</a:t>
-              </a:r>
-              <a:endParaRPr lang="en-US" altLang="zh-TW" sz="2000" dirty="0" smtClean="0">
-                <a:solidFill>
-                  <a:schemeClr val="bg1"/>
-                </a:solidFill>
-                <a:latin typeface="微軟正黑體" panose="020B0604030504040204" pitchFamily="34" charset="-120"/>
-                <a:ea typeface="微軟正黑體" panose="020B0604030504040204" pitchFamily="34" charset="-120"/>
-              </a:endParaRPr>
-            </a:p>
-          </p:txBody>
-        </p:sp>
-      </p:grpSp>
-      <p:pic>
-        <p:nvPicPr>
-          <p:cNvPr id="15" name="圖片 28"/>
-          <p:cNvPicPr>
-            <a:picLocks noChangeAspect="1"/>
-          </p:cNvPicPr>
-          <p:nvPr/>
-        </p:nvPicPr>
-        <p:blipFill>
-          <a:blip r:embed="rId3">
-            <a:extLst>
-              <a:ext uri="{28A0092B-C50C-407E-A947-70E740481C1C}">
-                <a14:useLocalDpi xmlns:a14="http://schemas.microsoft.com/office/drawing/2010/main" val="0"/>
-              </a:ext>
-            </a:extLst>
-          </a:blip>
-          <a:stretch>
-            <a:fillRect/>
-          </a:stretch>
-        </p:blipFill>
-        <p:spPr>
-          <a:xfrm>
-            <a:off x="0" y="6309419"/>
-            <a:ext cx="647338" cy="171082"/>
-          </a:xfrm>
-          <a:prstGeom prst="rect">
-            <a:avLst/>
-          </a:prstGeom>
-          <a:ln w="12700" cap="flat">
-            <a:solidFill>
-              <a:srgbClr val="077AAD"/>
-            </a:solidFill>
-            <a:miter lim="400000"/>
-          </a:ln>
-          <a:effectLst/>
-        </p:spPr>
-      </p:pic>
-    </p:spTree>
-    <p:extLst>
-      <p:ext uri="{BB962C8B-B14F-4D97-AF65-F5344CB8AC3E}">
-        <p14:creationId xmlns:p14="http://schemas.microsoft.com/office/powerpoint/2010/main" val="3953263530"/>
-      </p:ext>
-    </p:extLst>
-  </p:cSld>
-  <p:clrMapOvr>
-    <a:masterClrMapping/>
-  </p:clrMapOvr>
-  <mc:AlternateContent xmlns:mc="http://schemas.openxmlformats.org/markup-compatibility/2006" xmlns:p14="http://schemas.microsoft.com/office/powerpoint/2010/main">
-    <mc:Choice Requires="p14">
-      <p:transition p14:dur="0"/>
-    </mc:Choice>
-    <mc:Fallback xmlns="">
-      <p:transition/>
-    </mc:Fallback>
-  </mc:AlternateContent>
-  <p:timing>
-    <p:tnLst>
-      <p:par>
-        <p:cTn id="1" dur="indefinite" restart="never" nodeType="tmRoot"/>
-      </p:par>
-    </p:tnLst>
-  </p:timing>
-</p:sld>
-</file>
-
-<file path=ppt/slides/slide8.xml><?xml version="1.0" encoding="utf-8"?>
-<p:sld xmlns:a="http://schemas.openxmlformats.org/drawingml/2006/main" xmlns:r="http://schemas.openxmlformats.org/officeDocument/2006/relationships" xmlns:p="http://schemas.openxmlformats.org/presentationml/2006/main">
-  <p:cSld>
-    <p:bg>
-      <p:bgPr>
-        <a:solidFill>
-          <a:srgbClr val="017FA6"/>
-        </a:solidFill>
-        <a:effectLst/>
-      </p:bgPr>
-    </p:bg>
-    <p:spTree>
-      <p:nvGrpSpPr>
-        <p:cNvPr id="1" name=""/>
-        <p:cNvGrpSpPr/>
-        <p:nvPr/>
-      </p:nvGrpSpPr>
-      <p:grpSpPr>
-        <a:xfrm>
-          <a:off x="0" y="0"/>
-          <a:ext cx="0" cy="0"/>
-          <a:chOff x="0" y="0"/>
-          <a:chExt cx="0" cy="0"/>
-        </a:xfrm>
-      </p:grpSpPr>
       <p:sp>
         <p:nvSpPr>
           <p:cNvPr id="7" name="矩形 6"/>
@@ -10866,14 +11545,14 @@
           <a:lstStyle/>
           <a:p>
             <a:r>
-              <a:rPr lang="en-US" altLang="zh-TW" sz="1200" dirty="0">
+              <a:rPr lang="en-US" altLang="zh-TW" sz="1200" dirty="0" smtClean="0">
                 <a:solidFill>
                   <a:schemeClr val="bg1"/>
                 </a:solidFill>
                 <a:latin typeface="微軟正黑體" panose="020B0604030504040204" pitchFamily="34" charset="-120"/>
                 <a:ea typeface="微軟正黑體" panose="020B0604030504040204" pitchFamily="34" charset="-120"/>
               </a:rPr>
-              <a:t>7</a:t>
+              <a:t>6</a:t>
             </a:r>
             <a:endParaRPr lang="zh-TW" altLang="en-US" sz="1200" dirty="0">
               <a:solidFill>
@@ -10950,6 +11629,517 @@
 </p:sld>
 </file>
 
+<file path=ppt/slides/slide8.xml><?xml version="1.0" encoding="utf-8"?>
+<p:sld xmlns:a="http://schemas.openxmlformats.org/drawingml/2006/main" xmlns:r="http://schemas.openxmlformats.org/officeDocument/2006/relationships" xmlns:p="http://schemas.openxmlformats.org/presentationml/2006/main">
+  <p:cSld>
+    <p:bg>
+      <p:bgPr>
+        <a:solidFill>
+          <a:srgbClr val="017FA6"/>
+        </a:solidFill>
+        <a:effectLst/>
+      </p:bgPr>
+    </p:bg>
+    <p:spTree>
+      <p:nvGrpSpPr>
+        <p:cNvPr id="1" name=""/>
+        <p:cNvGrpSpPr/>
+        <p:nvPr/>
+      </p:nvGrpSpPr>
+      <p:grpSpPr>
+        <a:xfrm>
+          <a:off x="0" y="0"/>
+          <a:ext cx="0" cy="0"/>
+          <a:chOff x="0" y="0"/>
+          <a:chExt cx="0" cy="0"/>
+        </a:xfrm>
+      </p:grpSpPr>
+      <p:grpSp>
+        <p:nvGrpSpPr>
+          <p:cNvPr id="11" name="组合 10"/>
+          <p:cNvGrpSpPr/>
+          <p:nvPr/>
+        </p:nvGrpSpPr>
+        <p:grpSpPr>
+          <a:xfrm>
+            <a:off x="6121083" y="407231"/>
+            <a:ext cx="4743809" cy="752020"/>
+            <a:chOff x="1109249" y="1630533"/>
+            <a:chExt cx="4743809" cy="752020"/>
+          </a:xfrm>
+        </p:grpSpPr>
+        <p:sp>
+          <p:nvSpPr>
+            <p:cNvPr id="165" name="矩形 164"/>
+            <p:cNvSpPr/>
+            <p:nvPr/>
+          </p:nvSpPr>
+          <p:spPr>
+            <a:xfrm>
+              <a:off x="3872805" y="1630533"/>
+              <a:ext cx="1980253" cy="669156"/>
+            </a:xfrm>
+            <a:prstGeom prst="rect">
+              <a:avLst/>
+            </a:prstGeom>
+            <a:noFill/>
+            <a:ln w="28575">
+              <a:solidFill>
+                <a:schemeClr val="bg1"/>
+              </a:solidFill>
+            </a:ln>
+          </p:spPr>
+          <p:style>
+            <a:lnRef idx="2">
+              <a:schemeClr val="accent1">
+                <a:shade val="50000"/>
+              </a:schemeClr>
+            </a:lnRef>
+            <a:fillRef idx="1">
+              <a:schemeClr val="accent1"/>
+            </a:fillRef>
+            <a:effectRef idx="0">
+              <a:schemeClr val="accent1"/>
+            </a:effectRef>
+            <a:fontRef idx="minor">
+              <a:schemeClr val="lt1"/>
+            </a:fontRef>
+          </p:style>
+          <p:txBody>
+            <a:bodyPr rtlCol="0" anchor="ctr"/>
+            <a:lstStyle/>
+            <a:p>
+              <a:pPr algn="ctr"/>
+              <a:endParaRPr lang="zh-CN" altLang="en-US" dirty="0"/>
+            </a:p>
+          </p:txBody>
+        </p:sp>
+        <p:sp>
+          <p:nvSpPr>
+            <p:cNvPr id="12" name="TextBox 11"/>
+            <p:cNvSpPr txBox="1"/>
+            <p:nvPr/>
+          </p:nvSpPr>
+          <p:spPr>
+            <a:xfrm>
+              <a:off x="1109249" y="1982443"/>
+              <a:ext cx="4519186" cy="400110"/>
+            </a:xfrm>
+            <a:prstGeom prst="rect">
+              <a:avLst/>
+            </a:prstGeom>
+            <a:solidFill>
+              <a:srgbClr val="017FA6"/>
+            </a:solidFill>
+          </p:spPr>
+          <p:txBody>
+            <a:bodyPr wrap="none" rtlCol="0">
+              <a:spAutoFit/>
+            </a:bodyPr>
+            <a:lstStyle/>
+            <a:p>
+              <a:pPr algn="ctr"/>
+              <a:r>
+                <a:rPr lang="zh-TW" altLang="en-US" sz="2000" b="1" spc="600" dirty="0">
+                  <a:solidFill>
+                    <a:schemeClr val="bg1"/>
+                  </a:solidFill>
+                  <a:latin typeface="微軟正黑體" panose="020B0604030504040204" pitchFamily="34" charset="-120"/>
+                  <a:ea typeface="微軟正黑體" panose="020B0604030504040204" pitchFamily="34" charset="-120"/>
+                </a:rPr>
+                <a:t>直播平台使用者訂閱預測</a:t>
+              </a:r>
+              <a:r>
+                <a:rPr lang="zh-TW" altLang="en-US" sz="2000" b="1" spc="600" dirty="0" smtClean="0">
+                  <a:solidFill>
+                    <a:schemeClr val="bg1"/>
+                  </a:solidFill>
+                  <a:latin typeface="微軟正黑體" panose="020B0604030504040204" pitchFamily="34" charset="-120"/>
+                  <a:ea typeface="微軟正黑體" panose="020B0604030504040204" pitchFamily="34" charset="-120"/>
+                </a:rPr>
+                <a:t>模式</a:t>
+              </a:r>
+              <a:endParaRPr lang="zh-TW" altLang="en-US" sz="2000" b="1" spc="600" dirty="0">
+                <a:solidFill>
+                  <a:schemeClr val="bg1"/>
+                </a:solidFill>
+                <a:latin typeface="微軟正黑體" panose="020B0604030504040204" pitchFamily="34" charset="-120"/>
+                <a:ea typeface="微軟正黑體" panose="020B0604030504040204" pitchFamily="34" charset="-120"/>
+              </a:endParaRPr>
+            </a:p>
+          </p:txBody>
+        </p:sp>
+      </p:grpSp>
+      <p:sp>
+        <p:nvSpPr>
+          <p:cNvPr id="51" name="文字方塊 50"/>
+          <p:cNvSpPr txBox="1"/>
+          <p:nvPr/>
+        </p:nvSpPr>
+        <p:spPr>
+          <a:xfrm>
+            <a:off x="11209022" y="6209633"/>
+            <a:ext cx="360046" cy="276999"/>
+          </a:xfrm>
+          <a:prstGeom prst="rect">
+            <a:avLst/>
+          </a:prstGeom>
+          <a:noFill/>
+        </p:spPr>
+        <p:txBody>
+          <a:bodyPr wrap="square" rtlCol="0">
+            <a:spAutoFit/>
+          </a:bodyPr>
+          <a:lstStyle/>
+          <a:p>
+            <a:r>
+              <a:rPr lang="en-US" altLang="zh-TW" sz="1200" dirty="0" smtClean="0">
+                <a:solidFill>
+                  <a:schemeClr val="bg1"/>
+                </a:solidFill>
+                <a:latin typeface="微軟正黑體" panose="020B0604030504040204" pitchFamily="34" charset="-120"/>
+                <a:ea typeface="微軟正黑體" panose="020B0604030504040204" pitchFamily="34" charset="-120"/>
+              </a:rPr>
+              <a:t>7</a:t>
+            </a:r>
+            <a:endParaRPr lang="zh-TW" altLang="en-US" sz="1200" dirty="0">
+              <a:solidFill>
+                <a:schemeClr val="bg1"/>
+              </a:solidFill>
+              <a:latin typeface="微軟正黑體" panose="020B0604030504040204" pitchFamily="34" charset="-120"/>
+              <a:ea typeface="微軟正黑體" panose="020B0604030504040204" pitchFamily="34" charset="-120"/>
+            </a:endParaRPr>
+          </a:p>
+        </p:txBody>
+      </p:sp>
+      <p:sp>
+        <p:nvSpPr>
+          <p:cNvPr id="22" name="TextBox 11"/>
+          <p:cNvSpPr txBox="1"/>
+          <p:nvPr/>
+        </p:nvSpPr>
+        <p:spPr>
+          <a:xfrm>
+            <a:off x="9075105" y="200166"/>
+            <a:ext cx="2133917" cy="584775"/>
+          </a:xfrm>
+          <a:prstGeom prst="rect">
+            <a:avLst/>
+          </a:prstGeom>
+          <a:solidFill>
+            <a:srgbClr val="017FA6"/>
+          </a:solidFill>
+        </p:spPr>
+        <p:txBody>
+          <a:bodyPr wrap="none" rtlCol="0">
+            <a:spAutoFit/>
+          </a:bodyPr>
+          <a:lstStyle/>
+          <a:p>
+            <a:pPr algn="ctr"/>
+            <a:r>
+              <a:rPr lang="zh-TW" altLang="en-US" sz="3200" b="1" spc="600" dirty="0" smtClean="0">
+                <a:solidFill>
+                  <a:schemeClr val="bg1"/>
+                </a:solidFill>
+                <a:latin typeface="微軟正黑體" panose="020B0604030504040204" pitchFamily="34" charset="-120"/>
+                <a:ea typeface="微軟正黑體" panose="020B0604030504040204" pitchFamily="34" charset="-120"/>
+              </a:rPr>
+              <a:t>碩士論文</a:t>
+            </a:r>
+            <a:endParaRPr lang="zh-CN" altLang="en-US" sz="3200" b="1" spc="600" dirty="0">
+              <a:solidFill>
+                <a:schemeClr val="bg1"/>
+              </a:solidFill>
+              <a:latin typeface="微軟正黑體" panose="020B0604030504040204" pitchFamily="34" charset="-120"/>
+              <a:ea typeface="微軟正黑體" panose="020B0604030504040204" pitchFamily="34" charset="-120"/>
+            </a:endParaRPr>
+          </a:p>
+        </p:txBody>
+      </p:sp>
+      <p:grpSp>
+        <p:nvGrpSpPr>
+          <p:cNvPr id="23" name="群組 22"/>
+          <p:cNvGrpSpPr/>
+          <p:nvPr/>
+        </p:nvGrpSpPr>
+        <p:grpSpPr>
+          <a:xfrm>
+            <a:off x="1440485" y="1799903"/>
+            <a:ext cx="7683749" cy="3805215"/>
+            <a:chOff x="1316699" y="2276360"/>
+            <a:chExt cx="7683749" cy="3805215"/>
+          </a:xfrm>
+        </p:grpSpPr>
+        <p:grpSp>
+          <p:nvGrpSpPr>
+            <p:cNvPr id="24" name="群組 23"/>
+            <p:cNvGrpSpPr/>
+            <p:nvPr/>
+          </p:nvGrpSpPr>
+          <p:grpSpPr>
+            <a:xfrm>
+              <a:off x="1316700" y="2276360"/>
+              <a:ext cx="7683748" cy="1941373"/>
+              <a:chOff x="1981845" y="2497031"/>
+              <a:chExt cx="4977296" cy="688971"/>
+            </a:xfrm>
+          </p:grpSpPr>
+          <p:sp>
+            <p:nvSpPr>
+              <p:cNvPr id="27" name="矩形 26"/>
+              <p:cNvSpPr/>
+              <p:nvPr/>
+            </p:nvSpPr>
+            <p:spPr>
+              <a:xfrm>
+                <a:off x="1981845" y="2497031"/>
+                <a:ext cx="4977296" cy="205300"/>
+              </a:xfrm>
+              <a:prstGeom prst="rect">
+                <a:avLst/>
+              </a:prstGeom>
+            </p:spPr>
+            <p:txBody>
+              <a:bodyPr wrap="square">
+                <a:spAutoFit/>
+              </a:bodyPr>
+              <a:lstStyle/>
+              <a:p>
+                <a:pPr marL="342900" indent="-342900">
+                  <a:lnSpc>
+                    <a:spcPct val="150000"/>
+                  </a:lnSpc>
+                  <a:buFont typeface="Wingdings" panose="05000000000000000000" pitchFamily="2" charset="2"/>
+                  <a:buChar char="p"/>
+                </a:pPr>
+                <a:r>
+                  <a:rPr lang="zh-TW" altLang="en-US" sz="2400" b="1" dirty="0" smtClean="0">
+                    <a:solidFill>
+                      <a:schemeClr val="bg1"/>
+                    </a:solidFill>
+                    <a:latin typeface="微軟正黑體" panose="020B0604030504040204" pitchFamily="34" charset="-120"/>
+                    <a:ea typeface="微軟正黑體" panose="020B0604030504040204" pitchFamily="34" charset="-120"/>
+                  </a:rPr>
+                  <a:t>背景</a:t>
+                </a:r>
+                <a:endParaRPr lang="en-US" altLang="zh-TW" sz="2400" b="1" dirty="0" smtClean="0">
+                  <a:solidFill>
+                    <a:schemeClr val="bg1"/>
+                  </a:solidFill>
+                  <a:latin typeface="微軟正黑體" panose="020B0604030504040204" pitchFamily="34" charset="-120"/>
+                  <a:ea typeface="微軟正黑體" panose="020B0604030504040204" pitchFamily="34" charset="-120"/>
+                </a:endParaRPr>
+              </a:p>
+            </p:txBody>
+          </p:sp>
+          <p:sp>
+            <p:nvSpPr>
+              <p:cNvPr id="28" name="矩形 27"/>
+              <p:cNvSpPr/>
+              <p:nvPr/>
+            </p:nvSpPr>
+            <p:spPr>
+              <a:xfrm>
+                <a:off x="2212954" y="2661715"/>
+                <a:ext cx="4396345" cy="524287"/>
+              </a:xfrm>
+              <a:prstGeom prst="rect">
+                <a:avLst/>
+              </a:prstGeom>
+            </p:spPr>
+            <p:txBody>
+              <a:bodyPr wrap="square">
+                <a:spAutoFit/>
+              </a:bodyPr>
+              <a:lstStyle/>
+              <a:p>
+                <a:pPr>
+                  <a:lnSpc>
+                    <a:spcPct val="150000"/>
+                  </a:lnSpc>
+                </a:pPr>
+                <a:r>
+                  <a:rPr lang="zh-TW" altLang="en-US" sz="2000" dirty="0">
+                    <a:solidFill>
+                      <a:schemeClr val="bg1"/>
+                    </a:solidFill>
+                    <a:latin typeface="微軟正黑體" panose="020B0604030504040204" pitchFamily="34" charset="-120"/>
+                    <a:ea typeface="微軟正黑體" panose="020B0604030504040204" pitchFamily="34" charset="-120"/>
+                  </a:rPr>
+                  <a:t>以往研究多採用屬於「時間序列」的聊天室行為資料建立預測模型，對於屬於「非時間序列」的消費者個人資料則較少採用。</a:t>
+                </a:r>
+                <a:endParaRPr lang="en-US" altLang="zh-TW" sz="2000" dirty="0" smtClean="0">
+                  <a:solidFill>
+                    <a:schemeClr val="bg1"/>
+                  </a:solidFill>
+                  <a:latin typeface="微軟正黑體" panose="020B0604030504040204" pitchFamily="34" charset="-120"/>
+                  <a:ea typeface="微軟正黑體" panose="020B0604030504040204" pitchFamily="34" charset="-120"/>
+                </a:endParaRPr>
+              </a:p>
+            </p:txBody>
+          </p:sp>
+        </p:grpSp>
+        <p:sp>
+          <p:nvSpPr>
+            <p:cNvPr id="25" name="矩形 24"/>
+            <p:cNvSpPr/>
+            <p:nvPr/>
+          </p:nvSpPr>
+          <p:spPr>
+            <a:xfrm>
+              <a:off x="1316699" y="4140202"/>
+              <a:ext cx="7683748" cy="578492"/>
+            </a:xfrm>
+            <a:prstGeom prst="rect">
+              <a:avLst/>
+            </a:prstGeom>
+          </p:spPr>
+          <p:txBody>
+            <a:bodyPr wrap="square">
+              <a:spAutoFit/>
+            </a:bodyPr>
+            <a:lstStyle/>
+            <a:p>
+              <a:pPr marL="342900" indent="-342900">
+                <a:lnSpc>
+                  <a:spcPct val="150000"/>
+                </a:lnSpc>
+                <a:buFont typeface="Wingdings" panose="05000000000000000000" pitchFamily="2" charset="2"/>
+                <a:buChar char="p"/>
+              </a:pPr>
+              <a:r>
+                <a:rPr lang="zh-TW" altLang="en-US" sz="2400" b="1" dirty="0" smtClean="0">
+                  <a:solidFill>
+                    <a:schemeClr val="bg1"/>
+                  </a:solidFill>
+                  <a:latin typeface="微軟正黑體" panose="020B0604030504040204" pitchFamily="34" charset="-120"/>
+                  <a:ea typeface="微軟正黑體" panose="020B0604030504040204" pitchFamily="34" charset="-120"/>
+                </a:rPr>
+                <a:t>目的</a:t>
+              </a:r>
+              <a:endParaRPr lang="en-US" altLang="zh-TW" sz="2400" b="1" dirty="0" smtClean="0">
+                <a:solidFill>
+                  <a:schemeClr val="bg1"/>
+                </a:solidFill>
+                <a:latin typeface="微軟正黑體" panose="020B0604030504040204" pitchFamily="34" charset="-120"/>
+                <a:ea typeface="微軟正黑體" panose="020B0604030504040204" pitchFamily="34" charset="-120"/>
+              </a:endParaRPr>
+            </a:p>
+          </p:txBody>
+        </p:sp>
+        <p:sp>
+          <p:nvSpPr>
+            <p:cNvPr id="26" name="矩形 25"/>
+            <p:cNvSpPr/>
+            <p:nvPr/>
+          </p:nvSpPr>
+          <p:spPr>
+            <a:xfrm>
+              <a:off x="1673477" y="4604246"/>
+              <a:ext cx="6786899" cy="1477329"/>
+            </a:xfrm>
+            <a:prstGeom prst="rect">
+              <a:avLst/>
+            </a:prstGeom>
+          </p:spPr>
+          <p:txBody>
+            <a:bodyPr wrap="square">
+              <a:spAutoFit/>
+            </a:bodyPr>
+            <a:lstStyle/>
+            <a:p>
+              <a:pPr>
+                <a:lnSpc>
+                  <a:spcPct val="150000"/>
+                </a:lnSpc>
+              </a:pPr>
+              <a:r>
+                <a:rPr lang="zh-TW" altLang="en-US" sz="2000" dirty="0">
+                  <a:solidFill>
+                    <a:schemeClr val="bg1"/>
+                  </a:solidFill>
+                  <a:latin typeface="微軟正黑體" panose="020B0604030504040204" pitchFamily="34" charset="-120"/>
+                  <a:ea typeface="微軟正黑體" panose="020B0604030504040204" pitchFamily="34" charset="-120"/>
+                </a:rPr>
+                <a:t>為了能夠有效利用聊天室行為資料以及消費者個人資料，本研究利用監督式學習的方法，提出將兩種資料型態結合的預測模型建構方式。</a:t>
+              </a:r>
+              <a:endParaRPr lang="en-US" altLang="zh-TW" sz="2000" dirty="0" smtClean="0">
+                <a:solidFill>
+                  <a:schemeClr val="bg1"/>
+                </a:solidFill>
+                <a:latin typeface="微軟正黑體" panose="020B0604030504040204" pitchFamily="34" charset="-120"/>
+                <a:ea typeface="微軟正黑體" panose="020B0604030504040204" pitchFamily="34" charset="-120"/>
+              </a:endParaRPr>
+            </a:p>
+          </p:txBody>
+        </p:sp>
+      </p:grpSp>
+      <p:pic>
+        <p:nvPicPr>
+          <p:cNvPr id="15" name="圖片 28"/>
+          <p:cNvPicPr>
+            <a:picLocks noChangeAspect="1"/>
+          </p:cNvPicPr>
+          <p:nvPr/>
+        </p:nvPicPr>
+        <p:blipFill>
+          <a:blip r:embed="rId3">
+            <a:extLst>
+              <a:ext uri="{28A0092B-C50C-407E-A947-70E740481C1C}">
+                <a14:useLocalDpi xmlns:a14="http://schemas.microsoft.com/office/drawing/2010/main" val="0"/>
+              </a:ext>
+            </a:extLst>
+          </a:blip>
+          <a:stretch>
+            <a:fillRect/>
+          </a:stretch>
+        </p:blipFill>
+        <p:spPr>
+          <a:xfrm>
+            <a:off x="0" y="6309419"/>
+            <a:ext cx="647338" cy="171082"/>
+          </a:xfrm>
+          <a:prstGeom prst="rect">
+            <a:avLst/>
+          </a:prstGeom>
+          <a:ln w="12700" cap="flat">
+            <a:solidFill>
+              <a:srgbClr val="077AAD"/>
+            </a:solidFill>
+            <a:miter lim="400000"/>
+          </a:ln>
+          <a:effectLst/>
+        </p:spPr>
+      </p:pic>
+    </p:spTree>
+    <p:extLst>
+      <p:ext uri="{BB962C8B-B14F-4D97-AF65-F5344CB8AC3E}">
+        <p14:creationId xmlns:p14="http://schemas.microsoft.com/office/powerpoint/2010/main" val="3953263530"/>
+      </p:ext>
+    </p:extLst>
+  </p:cSld>
+  <p:clrMapOvr>
+    <a:masterClrMapping/>
+  </p:clrMapOvr>
+  <mc:AlternateContent xmlns:mc="http://schemas.openxmlformats.org/markup-compatibility/2006" xmlns:p14="http://schemas.microsoft.com/office/powerpoint/2010/main">
+    <mc:Choice Requires="p14">
+      <p:transition p14:dur="0"/>
+    </mc:Choice>
+    <mc:Fallback xmlns="">
+      <p:transition/>
+    </mc:Fallback>
+  </mc:AlternateContent>
+  <p:timing>
+    <p:tnLst>
+      <p:par>
+        <p:cTn id="1" dur="indefinite" restart="never" nodeType="tmRoot"/>
+      </p:par>
+    </p:tnLst>
+  </p:timing>
+</p:sld>
+</file>
+
 <file path=ppt/slides/slide9.xml><?xml version="1.0" encoding="utf-8"?>
 <p:sld xmlns:a="http://schemas.openxmlformats.org/drawingml/2006/main" xmlns:r="http://schemas.openxmlformats.org/officeDocument/2006/relationships" xmlns:p="http://schemas.openxmlformats.org/presentationml/2006/main">
   <p:cSld>
@@ -10977,16 +12167,333 @@
       </p:grpSpPr>
       <p:grpSp>
         <p:nvGrpSpPr>
+          <p:cNvPr id="4" name="组合 3"/>
+          <p:cNvGrpSpPr/>
+          <p:nvPr/>
+        </p:nvGrpSpPr>
+        <p:grpSpPr>
+          <a:xfrm>
+            <a:off x="10167937" y="1885950"/>
+            <a:ext cx="1354138" cy="2708275"/>
+            <a:chOff x="10237788" y="1897063"/>
+            <a:chExt cx="1354138" cy="2708275"/>
+          </a:xfrm>
+        </p:grpSpPr>
+        <p:sp>
+          <p:nvSpPr>
+            <p:cNvPr id="5" name="Freeform 19"/>
+            <p:cNvSpPr>
+              <a:spLocks/>
+            </p:cNvSpPr>
+            <p:nvPr/>
+          </p:nvSpPr>
+          <p:spPr bwMode="auto">
+            <a:xfrm>
+              <a:off x="10237788" y="1897063"/>
+              <a:ext cx="1354138" cy="2708275"/>
+            </a:xfrm>
+            <a:custGeom>
+              <a:avLst/>
+              <a:gdLst>
+                <a:gd name="T0" fmla="*/ 3744 w 3744"/>
+                <a:gd name="T1" fmla="*/ 0 h 7488"/>
+                <a:gd name="T2" fmla="*/ 0 w 3744"/>
+                <a:gd name="T3" fmla="*/ 3744 h 7488"/>
+                <a:gd name="T4" fmla="*/ 3744 w 3744"/>
+                <a:gd name="T5" fmla="*/ 7488 h 7488"/>
+                <a:gd name="T6" fmla="*/ 3744 w 3744"/>
+                <a:gd name="T7" fmla="*/ 0 h 7488"/>
+              </a:gdLst>
+              <a:ahLst/>
+              <a:cxnLst>
+                <a:cxn ang="0">
+                  <a:pos x="T0" y="T1"/>
+                </a:cxn>
+                <a:cxn ang="0">
+                  <a:pos x="T2" y="T3"/>
+                </a:cxn>
+                <a:cxn ang="0">
+                  <a:pos x="T4" y="T5"/>
+                </a:cxn>
+                <a:cxn ang="0">
+                  <a:pos x="T6" y="T7"/>
+                </a:cxn>
+              </a:cxnLst>
+              <a:rect l="0" t="0" r="r" b="b"/>
+              <a:pathLst>
+                <a:path w="3744" h="7488">
+                  <a:moveTo>
+                    <a:pt x="3744" y="0"/>
+                  </a:moveTo>
+                  <a:cubicBezTo>
+                    <a:pt x="1676" y="0"/>
+                    <a:pt x="0" y="1676"/>
+                    <a:pt x="0" y="3744"/>
+                  </a:cubicBezTo>
+                  <a:cubicBezTo>
+                    <a:pt x="0" y="5812"/>
+                    <a:pt x="1676" y="7488"/>
+                    <a:pt x="3744" y="7488"/>
+                  </a:cubicBezTo>
+                  <a:lnTo>
+                    <a:pt x="3744" y="0"/>
+                  </a:lnTo>
+                  <a:close/>
+                </a:path>
+              </a:pathLst>
+            </a:custGeom>
+            <a:solidFill>
+              <a:schemeClr val="bg1"/>
+            </a:solidFill>
+            <a:ln>
+              <a:noFill/>
+            </a:ln>
+            <a:extLst>
+              <a:ext uri="{91240B29-F687-4F45-9708-019B960494DF}">
+                <a14:hiddenLine xmlns:a14="http://schemas.microsoft.com/office/drawing/2010/main" w="9525">
+                  <a:solidFill>
+                    <a:srgbClr val="000000"/>
+                  </a:solidFill>
+                  <a:round/>
+                  <a:headEnd/>
+                  <a:tailEnd/>
+                </a14:hiddenLine>
+              </a:ext>
+            </a:extLst>
+          </p:spPr>
+          <p:txBody>
+            <a:bodyPr vert="horz" wrap="square" lIns="91440" tIns="45720" rIns="91440" bIns="45720" numCol="1" anchor="t" anchorCtr="0" compatLnSpc="1">
+              <a:prstTxWarp prst="textNoShape">
+                <a:avLst/>
+              </a:prstTxWarp>
+            </a:bodyPr>
+            <a:lstStyle/>
+            <a:p>
+              <a:endParaRPr lang="zh-CN" altLang="en-US"/>
+            </a:p>
+          </p:txBody>
+        </p:sp>
+        <p:sp>
+          <p:nvSpPr>
+            <p:cNvPr id="6" name="Freeform 20"/>
+            <p:cNvSpPr>
+              <a:spLocks/>
+            </p:cNvSpPr>
+            <p:nvPr/>
+          </p:nvSpPr>
+          <p:spPr bwMode="auto">
+            <a:xfrm>
+              <a:off x="10271126" y="1930400"/>
+              <a:ext cx="1320800" cy="2641600"/>
+            </a:xfrm>
+            <a:custGeom>
+              <a:avLst/>
+              <a:gdLst>
+                <a:gd name="T0" fmla="*/ 3651 w 3651"/>
+                <a:gd name="T1" fmla="*/ 0 h 7302"/>
+                <a:gd name="T2" fmla="*/ 0 w 3651"/>
+                <a:gd name="T3" fmla="*/ 3651 h 7302"/>
+                <a:gd name="T4" fmla="*/ 3651 w 3651"/>
+                <a:gd name="T5" fmla="*/ 7302 h 7302"/>
+                <a:gd name="T6" fmla="*/ 3651 w 3651"/>
+                <a:gd name="T7" fmla="*/ 0 h 7302"/>
+              </a:gdLst>
+              <a:ahLst/>
+              <a:cxnLst>
+                <a:cxn ang="0">
+                  <a:pos x="T0" y="T1"/>
+                </a:cxn>
+                <a:cxn ang="0">
+                  <a:pos x="T2" y="T3"/>
+                </a:cxn>
+                <a:cxn ang="0">
+                  <a:pos x="T4" y="T5"/>
+                </a:cxn>
+                <a:cxn ang="0">
+                  <a:pos x="T6" y="T7"/>
+                </a:cxn>
+              </a:cxnLst>
+              <a:rect l="0" t="0" r="r" b="b"/>
+              <a:pathLst>
+                <a:path w="3651" h="7302">
+                  <a:moveTo>
+                    <a:pt x="3651" y="0"/>
+                  </a:moveTo>
+                  <a:cubicBezTo>
+                    <a:pt x="1635" y="0"/>
+                    <a:pt x="0" y="1634"/>
+                    <a:pt x="0" y="3651"/>
+                  </a:cubicBezTo>
+                  <a:cubicBezTo>
+                    <a:pt x="0" y="5668"/>
+                    <a:pt x="1635" y="7302"/>
+                    <a:pt x="3651" y="7302"/>
+                  </a:cubicBezTo>
+                  <a:lnTo>
+                    <a:pt x="3651" y="0"/>
+                  </a:lnTo>
+                  <a:close/>
+                </a:path>
+              </a:pathLst>
+            </a:custGeom>
+            <a:solidFill>
+              <a:srgbClr val="017FA6"/>
+            </a:solidFill>
+            <a:ln>
+              <a:noFill/>
+            </a:ln>
+            <a:extLst>
+              <a:ext uri="{91240B29-F687-4F45-9708-019B960494DF}">
+                <a14:hiddenLine xmlns:a14="http://schemas.microsoft.com/office/drawing/2010/main" w="9525">
+                  <a:solidFill>
+                    <a:srgbClr val="000000"/>
+                  </a:solidFill>
+                  <a:round/>
+                  <a:headEnd/>
+                  <a:tailEnd/>
+                </a14:hiddenLine>
+              </a:ext>
+            </a:extLst>
+          </p:spPr>
+          <p:txBody>
+            <a:bodyPr vert="horz" wrap="square" lIns="91440" tIns="45720" rIns="91440" bIns="45720" numCol="1" anchor="t" anchorCtr="0" compatLnSpc="1">
+              <a:prstTxWarp prst="textNoShape">
+                <a:avLst/>
+              </a:prstTxWarp>
+            </a:bodyPr>
+            <a:lstStyle/>
+            <a:p>
+              <a:endParaRPr lang="zh-CN" altLang="en-US"/>
+            </a:p>
+          </p:txBody>
+        </p:sp>
+        <p:sp>
+          <p:nvSpPr>
+            <p:cNvPr id="7" name="Freeform 21"/>
+            <p:cNvSpPr>
+              <a:spLocks/>
+            </p:cNvSpPr>
+            <p:nvPr/>
+          </p:nvSpPr>
+          <p:spPr bwMode="auto">
+            <a:xfrm>
+              <a:off x="10966451" y="3171825"/>
+              <a:ext cx="93663" cy="158750"/>
+            </a:xfrm>
+            <a:custGeom>
+              <a:avLst/>
+              <a:gdLst>
+                <a:gd name="T0" fmla="*/ 39 w 259"/>
+                <a:gd name="T1" fmla="*/ 0 h 438"/>
+                <a:gd name="T2" fmla="*/ 259 w 259"/>
+                <a:gd name="T3" fmla="*/ 219 h 438"/>
+                <a:gd name="T4" fmla="*/ 39 w 259"/>
+                <a:gd name="T5" fmla="*/ 438 h 438"/>
+                <a:gd name="T6" fmla="*/ 0 w 259"/>
+                <a:gd name="T7" fmla="*/ 399 h 438"/>
+                <a:gd name="T8" fmla="*/ 181 w 259"/>
+                <a:gd name="T9" fmla="*/ 219 h 438"/>
+                <a:gd name="T10" fmla="*/ 0 w 259"/>
+                <a:gd name="T11" fmla="*/ 39 h 438"/>
+                <a:gd name="T12" fmla="*/ 39 w 259"/>
+                <a:gd name="T13" fmla="*/ 0 h 438"/>
+              </a:gdLst>
+              <a:ahLst/>
+              <a:cxnLst>
+                <a:cxn ang="0">
+                  <a:pos x="T0" y="T1"/>
+                </a:cxn>
+                <a:cxn ang="0">
+                  <a:pos x="T2" y="T3"/>
+                </a:cxn>
+                <a:cxn ang="0">
+                  <a:pos x="T4" y="T5"/>
+                </a:cxn>
+                <a:cxn ang="0">
+                  <a:pos x="T6" y="T7"/>
+                </a:cxn>
+                <a:cxn ang="0">
+                  <a:pos x="T8" y="T9"/>
+                </a:cxn>
+                <a:cxn ang="0">
+                  <a:pos x="T10" y="T11"/>
+                </a:cxn>
+                <a:cxn ang="0">
+                  <a:pos x="T12" y="T13"/>
+                </a:cxn>
+              </a:cxnLst>
+              <a:rect l="0" t="0" r="r" b="b"/>
+              <a:pathLst>
+                <a:path w="259" h="438">
+                  <a:moveTo>
+                    <a:pt x="39" y="0"/>
+                  </a:moveTo>
+                  <a:lnTo>
+                    <a:pt x="259" y="219"/>
+                  </a:lnTo>
+                  <a:lnTo>
+                    <a:pt x="39" y="438"/>
+                  </a:lnTo>
+                  <a:lnTo>
+                    <a:pt x="0" y="399"/>
+                  </a:lnTo>
+                  <a:lnTo>
+                    <a:pt x="181" y="219"/>
+                  </a:lnTo>
+                  <a:lnTo>
+                    <a:pt x="0" y="39"/>
+                  </a:lnTo>
+                  <a:lnTo>
+                    <a:pt x="39" y="0"/>
+                  </a:lnTo>
+                  <a:close/>
+                </a:path>
+              </a:pathLst>
+            </a:custGeom>
+            <a:solidFill>
+              <a:schemeClr val="bg1"/>
+            </a:solidFill>
+            <a:ln>
+              <a:noFill/>
+            </a:ln>
+            <a:extLst>
+              <a:ext uri="{91240B29-F687-4F45-9708-019B960494DF}">
+                <a14:hiddenLine xmlns:a14="http://schemas.microsoft.com/office/drawing/2010/main" w="9525">
+                  <a:solidFill>
+                    <a:srgbClr val="000000"/>
+                  </a:solidFill>
+                  <a:round/>
+                  <a:headEnd/>
+                  <a:tailEnd/>
+                </a14:hiddenLine>
+              </a:ext>
+            </a:extLst>
+          </p:spPr>
+          <p:txBody>
+            <a:bodyPr vert="horz" wrap="square" lIns="91440" tIns="45720" rIns="91440" bIns="45720" numCol="1" anchor="t" anchorCtr="0" compatLnSpc="1">
+              <a:prstTxWarp prst="textNoShape">
+                <a:avLst/>
+              </a:prstTxWarp>
+            </a:bodyPr>
+            <a:lstStyle/>
+            <a:p>
+              <a:endParaRPr lang="zh-CN" altLang="en-US"/>
+            </a:p>
+          </p:txBody>
+        </p:sp>
+      </p:grpSp>
+      <p:grpSp>
+        <p:nvGrpSpPr>
           <p:cNvPr id="26" name="组合 25"/>
           <p:cNvGrpSpPr/>
           <p:nvPr/>
         </p:nvGrpSpPr>
         <p:grpSpPr>
           <a:xfrm>
-            <a:off x="4085778" y="504585"/>
-            <a:ext cx="2688006" cy="669156"/>
-            <a:chOff x="2010055" y="1569528"/>
-            <a:chExt cx="2688006" cy="669156"/>
+            <a:off x="900416" y="539742"/>
+            <a:ext cx="2821365" cy="597344"/>
+            <a:chOff x="2010054" y="1561576"/>
+            <a:chExt cx="2425373" cy="576824"/>
           </a:xfrm>
         </p:grpSpPr>
         <p:sp>
@@ -10997,8 +12504,8 @@
           </p:nvSpPr>
           <p:spPr>
             <a:xfrm>
-              <a:off x="2287099" y="1611718"/>
-              <a:ext cx="2133918" cy="584775"/>
+              <a:off x="2305535" y="1561576"/>
+              <a:ext cx="1834412" cy="564687"/>
             </a:xfrm>
             <a:prstGeom prst="rect">
               <a:avLst/>
@@ -11020,7 +12527,7 @@
                   <a:latin typeface="微軟正黑體" panose="020B0604030504040204" pitchFamily="34" charset="-120"/>
                   <a:ea typeface="微軟正黑體" panose="020B0604030504040204" pitchFamily="34" charset="-120"/>
                 </a:rPr>
-                <a:t>其他經歷</a:t>
+                <a:t>畢業專題</a:t>
               </a:r>
               <a:endParaRPr lang="zh-CN" altLang="en-US" sz="3200" b="1" spc="600" dirty="0">
                 <a:solidFill>
@@ -11040,8 +12547,8 @@
           </p:nvSpPr>
           <p:spPr>
             <a:xfrm>
-              <a:off x="2010055" y="1569528"/>
-              <a:ext cx="2688006" cy="669156"/>
+              <a:off x="2010054" y="1569528"/>
+              <a:ext cx="2425373" cy="568872"/>
             </a:xfrm>
             <a:prstGeom prst="rect">
               <a:avLst/>
@@ -11079,45 +12586,324 @@
           </p:txBody>
         </p:sp>
       </p:grpSp>
-      <p:sp>
-        <p:nvSpPr>
-          <p:cNvPr id="15" name="TextBox 14"/>
-          <p:cNvSpPr txBox="1"/>
+      <p:grpSp>
+        <p:nvGrpSpPr>
+          <p:cNvPr id="9" name="群組 8"/>
+          <p:cNvGrpSpPr/>
           <p:nvPr/>
-        </p:nvSpPr>
-        <p:spPr>
+        </p:nvGrpSpPr>
+        <p:grpSpPr>
           <a:xfrm>
-            <a:off x="4260230" y="1217632"/>
-            <a:ext cx="2339102" cy="461665"/>
+            <a:off x="1244140" y="1893465"/>
+            <a:ext cx="7683748" cy="2898990"/>
+            <a:chOff x="1982495" y="2322744"/>
+            <a:chExt cx="4977296" cy="1623146"/>
           </a:xfrm>
-          <a:prstGeom prst="rect">
-            <a:avLst/>
-          </a:prstGeom>
-          <a:noFill/>
-        </p:spPr>
-        <p:txBody>
-          <a:bodyPr wrap="none" rtlCol="0">
-            <a:spAutoFit/>
-          </a:bodyPr>
-          <a:lstStyle/>
-          <a:p>
-            <a:pPr algn="ctr"/>
-            <a:r>
-              <a:rPr lang="zh-TW" altLang="en-US" sz="2400" b="1" dirty="0">
+        </p:grpSpPr>
+        <p:grpSp>
+          <p:nvGrpSpPr>
+            <p:cNvPr id="2" name="群組 1"/>
+            <p:cNvGrpSpPr/>
+            <p:nvPr/>
+          </p:nvGrpSpPr>
+          <p:grpSpPr>
+            <a:xfrm>
+              <a:off x="1982495" y="2322744"/>
+              <a:ext cx="4977296" cy="1203135"/>
+              <a:chOff x="1982495" y="2361147"/>
+              <a:chExt cx="4977296" cy="762598"/>
+            </a:xfrm>
+          </p:grpSpPr>
+          <p:grpSp>
+            <p:nvGrpSpPr>
+              <p:cNvPr id="13" name="组合 12"/>
+              <p:cNvGrpSpPr/>
+              <p:nvPr/>
+            </p:nvGrpSpPr>
+            <p:grpSpPr>
+              <a:xfrm>
+                <a:off x="1982495" y="2361147"/>
+                <a:ext cx="4977296" cy="381800"/>
+                <a:chOff x="1982495" y="2361147"/>
+                <a:chExt cx="4977296" cy="381800"/>
+              </a:xfrm>
+            </p:grpSpPr>
+            <p:sp>
+              <p:nvSpPr>
+                <p:cNvPr id="15" name="TextBox 14"/>
+                <p:cNvSpPr txBox="1"/>
+                <p:nvPr/>
+              </p:nvSpPr>
+              <p:spPr>
+                <a:xfrm>
+                  <a:off x="1982496" y="2361147"/>
+                  <a:ext cx="1980391" cy="185685"/>
+                </a:xfrm>
+                <a:prstGeom prst="rect">
+                  <a:avLst/>
+                </a:prstGeom>
+                <a:noFill/>
+              </p:spPr>
+              <p:txBody>
+                <a:bodyPr wrap="none" rtlCol="0">
+                  <a:spAutoFit/>
+                </a:bodyPr>
+                <a:lstStyle/>
+                <a:p>
+                  <a:r>
+                    <a:rPr lang="zh-TW" altLang="en-US" sz="2800" b="1" dirty="0" smtClean="0">
+                      <a:solidFill>
+                        <a:schemeClr val="bg1"/>
+                      </a:solidFill>
+                      <a:latin typeface="微軟正黑體" panose="020B0604030504040204" pitchFamily="34" charset="-120"/>
+                      <a:ea typeface="微軟正黑體" panose="020B0604030504040204" pitchFamily="34" charset="-120"/>
+                    </a:rPr>
+                    <a:t>租屋安全回報平台</a:t>
+                  </a:r>
+                  <a:endParaRPr lang="zh-CN" altLang="en-US" sz="2800" b="1" dirty="0">
+                    <a:solidFill>
+                      <a:schemeClr val="bg1"/>
+                    </a:solidFill>
+                    <a:latin typeface="微軟正黑體" panose="020B0604030504040204" pitchFamily="34" charset="-120"/>
+                    <a:ea typeface="微軟正黑體" panose="020B0604030504040204" pitchFamily="34" charset="-120"/>
+                  </a:endParaRPr>
+                </a:p>
+              </p:txBody>
+            </p:sp>
+            <p:sp>
+              <p:nvSpPr>
+                <p:cNvPr id="16" name="矩形 15"/>
+                <p:cNvSpPr/>
+                <p:nvPr/>
+              </p:nvSpPr>
+              <p:spPr>
+                <a:xfrm>
+                  <a:off x="1982495" y="2537647"/>
+                  <a:ext cx="4977296" cy="205300"/>
+                </a:xfrm>
+                <a:prstGeom prst="rect">
+                  <a:avLst/>
+                </a:prstGeom>
+              </p:spPr>
+              <p:txBody>
+                <a:bodyPr wrap="square">
+                  <a:spAutoFit/>
+                </a:bodyPr>
+                <a:lstStyle/>
+                <a:p>
+                  <a:pPr marL="342900" indent="-342900">
+                    <a:lnSpc>
+                      <a:spcPct val="150000"/>
+                    </a:lnSpc>
+                    <a:buFont typeface="Wingdings" panose="05000000000000000000" pitchFamily="2" charset="2"/>
+                    <a:buChar char="p"/>
+                  </a:pPr>
+                  <a:r>
+                    <a:rPr lang="en-US" altLang="zh-TW" sz="2400" dirty="0" smtClean="0">
+                      <a:solidFill>
+                        <a:schemeClr val="bg1"/>
+                      </a:solidFill>
+                      <a:latin typeface="微軟正黑體" panose="020B0604030504040204" pitchFamily="34" charset="-120"/>
+                      <a:ea typeface="微軟正黑體" panose="020B0604030504040204" pitchFamily="34" charset="-120"/>
+                    </a:rPr>
+                    <a:t>GCP</a:t>
+                  </a:r>
+                  <a:r>
+                    <a:rPr lang="zh-TW" altLang="en-US" sz="2400" dirty="0" smtClean="0">
+                      <a:solidFill>
+                        <a:schemeClr val="bg1"/>
+                      </a:solidFill>
+                      <a:latin typeface="微軟正黑體" panose="020B0604030504040204" pitchFamily="34" charset="-120"/>
+                      <a:ea typeface="微軟正黑體" panose="020B0604030504040204" pitchFamily="34" charset="-120"/>
+                    </a:rPr>
+                    <a:t>、</a:t>
+                  </a:r>
+                  <a:r>
+                    <a:rPr lang="en-US" altLang="zh-TW" sz="2400" dirty="0" err="1" smtClean="0">
+                      <a:solidFill>
+                        <a:schemeClr val="bg1"/>
+                      </a:solidFill>
+                      <a:latin typeface="微軟正黑體" panose="020B0604030504040204" pitchFamily="34" charset="-120"/>
+                      <a:ea typeface="微軟正黑體" panose="020B0604030504040204" pitchFamily="34" charset="-120"/>
+                    </a:rPr>
+                    <a:t>WinSCP</a:t>
+                  </a:r>
+                  <a:r>
+                    <a:rPr lang="zh-TW" altLang="en-US" sz="2400" dirty="0" smtClean="0">
+                      <a:solidFill>
+                        <a:schemeClr val="bg1"/>
+                      </a:solidFill>
+                      <a:latin typeface="微軟正黑體" panose="020B0604030504040204" pitchFamily="34" charset="-120"/>
+                      <a:ea typeface="微軟正黑體" panose="020B0604030504040204" pitchFamily="34" charset="-120"/>
+                    </a:rPr>
+                    <a:t>、</a:t>
+                  </a:r>
+                  <a:r>
+                    <a:rPr lang="en-US" altLang="zh-TW" sz="2400" dirty="0" smtClean="0">
+                      <a:solidFill>
+                        <a:schemeClr val="bg1"/>
+                      </a:solidFill>
+                      <a:latin typeface="微軟正黑體" panose="020B0604030504040204" pitchFamily="34" charset="-120"/>
+                      <a:ea typeface="微軟正黑體" panose="020B0604030504040204" pitchFamily="34" charset="-120"/>
+                    </a:rPr>
+                    <a:t>PHP</a:t>
+                  </a:r>
+                  <a:r>
+                    <a:rPr lang="zh-TW" altLang="en-US" sz="2400" dirty="0" smtClean="0">
+                      <a:solidFill>
+                        <a:schemeClr val="bg1"/>
+                      </a:solidFill>
+                      <a:latin typeface="微軟正黑體" panose="020B0604030504040204" pitchFamily="34" charset="-120"/>
+                      <a:ea typeface="微軟正黑體" panose="020B0604030504040204" pitchFamily="34" charset="-120"/>
+                    </a:rPr>
+                    <a:t>、</a:t>
+                  </a:r>
+                  <a:r>
+                    <a:rPr lang="en-US" altLang="zh-TW" sz="2400" dirty="0" smtClean="0">
+                      <a:solidFill>
+                        <a:schemeClr val="bg1"/>
+                      </a:solidFill>
+                      <a:latin typeface="微軟正黑體" panose="020B0604030504040204" pitchFamily="34" charset="-120"/>
+                      <a:ea typeface="微軟正黑體" panose="020B0604030504040204" pitchFamily="34" charset="-120"/>
+                    </a:rPr>
+                    <a:t>MySQL</a:t>
+                  </a:r>
+                  <a:endParaRPr lang="en-US" altLang="zh-TW" sz="2400" dirty="0" smtClean="0">
+                    <a:solidFill>
+                      <a:schemeClr val="bg1"/>
+                    </a:solidFill>
+                    <a:latin typeface="微軟正黑體" panose="020B0604030504040204" pitchFamily="34" charset="-120"/>
+                    <a:ea typeface="微軟正黑體" panose="020B0604030504040204" pitchFamily="34" charset="-120"/>
+                  </a:endParaRPr>
+                </a:p>
+              </p:txBody>
+            </p:sp>
+          </p:grpSp>
+          <p:sp>
+            <p:nvSpPr>
+              <p:cNvPr id="21" name="矩形 20"/>
+              <p:cNvSpPr/>
+              <p:nvPr/>
+            </p:nvSpPr>
+            <p:spPr>
+              <a:xfrm>
+                <a:off x="2213606" y="2763298"/>
+                <a:ext cx="2880371" cy="360447"/>
+              </a:xfrm>
+              <a:prstGeom prst="rect">
+                <a:avLst/>
+              </a:prstGeom>
+            </p:spPr>
+            <p:txBody>
+              <a:bodyPr wrap="square">
+                <a:spAutoFit/>
+              </a:bodyPr>
+              <a:lstStyle/>
+              <a:p>
+                <a:pPr marL="228600" indent="-228600">
+                  <a:lnSpc>
+                    <a:spcPct val="150000"/>
+                  </a:lnSpc>
+                  <a:buFont typeface="+mj-lt"/>
+                  <a:buAutoNum type="arabicPeriod"/>
+                </a:pPr>
+                <a:r>
+                  <a:rPr lang="zh-TW" altLang="en-US" sz="2000" dirty="0" smtClean="0">
+                    <a:solidFill>
+                      <a:schemeClr val="bg1"/>
+                    </a:solidFill>
+                    <a:latin typeface="微軟正黑體" panose="020B0604030504040204" pitchFamily="34" charset="-120"/>
+                    <a:ea typeface="微軟正黑體" panose="020B0604030504040204" pitchFamily="34" charset="-120"/>
+                  </a:rPr>
+                  <a:t>雲端伺服器及資料庫架設</a:t>
+                </a:r>
+                <a:endParaRPr lang="en-US" altLang="zh-TW" sz="2000" dirty="0" smtClean="0">
+                  <a:solidFill>
+                    <a:schemeClr val="bg1"/>
+                  </a:solidFill>
+                  <a:latin typeface="微軟正黑體" panose="020B0604030504040204" pitchFamily="34" charset="-120"/>
+                  <a:ea typeface="微軟正黑體" panose="020B0604030504040204" pitchFamily="34" charset="-120"/>
+                </a:endParaRPr>
+              </a:p>
+              <a:p>
+                <a:pPr marL="228600" indent="-228600">
+                  <a:lnSpc>
+                    <a:spcPct val="150000"/>
+                  </a:lnSpc>
+                  <a:buFont typeface="+mj-lt"/>
+                  <a:buAutoNum type="arabicPeriod"/>
+                </a:pPr>
+                <a:r>
+                  <a:rPr lang="zh-TW" altLang="en-US" sz="2000" dirty="0" smtClean="0">
+                    <a:solidFill>
+                      <a:schemeClr val="bg1"/>
+                    </a:solidFill>
+                    <a:latin typeface="微軟正黑體" panose="020B0604030504040204" pitchFamily="34" charset="-120"/>
+                    <a:ea typeface="微軟正黑體" panose="020B0604030504040204" pitchFamily="34" charset="-120"/>
+                  </a:rPr>
+                  <a:t>網頁架構及後端程式開發</a:t>
+                </a:r>
+                <a:endParaRPr lang="en-US" altLang="zh-TW" sz="2000" dirty="0" smtClean="0">
+                  <a:solidFill>
+                    <a:schemeClr val="bg1"/>
+                  </a:solidFill>
+                  <a:latin typeface="微軟正黑體" panose="020B0604030504040204" pitchFamily="34" charset="-120"/>
+                  <a:ea typeface="微軟正黑體" panose="020B0604030504040204" pitchFamily="34" charset="-120"/>
+                </a:endParaRPr>
+              </a:p>
+            </p:txBody>
+          </p:sp>
+        </p:grpSp>
+        <p:sp>
+          <p:nvSpPr>
+            <p:cNvPr id="29" name="矩形 28"/>
+            <p:cNvSpPr/>
+            <p:nvPr/>
+          </p:nvSpPr>
+          <p:spPr>
+            <a:xfrm>
+              <a:off x="1982496" y="3621992"/>
+              <a:ext cx="4744068" cy="323898"/>
+            </a:xfrm>
+            <a:prstGeom prst="rect">
+              <a:avLst/>
+            </a:prstGeom>
+          </p:spPr>
+          <p:txBody>
+            <a:bodyPr wrap="square">
+              <a:spAutoFit/>
+            </a:bodyPr>
+            <a:lstStyle/>
+            <a:p>
+              <a:pPr>
+                <a:lnSpc>
+                  <a:spcPct val="150000"/>
+                </a:lnSpc>
+              </a:pPr>
+              <a:r>
+                <a:rPr lang="zh-TW" altLang="en-US" sz="2400" b="1" dirty="0" smtClean="0">
+                  <a:solidFill>
+                    <a:schemeClr val="bg1"/>
+                  </a:solidFill>
+                  <a:latin typeface="微軟正黑體" panose="020B0604030504040204" pitchFamily="34" charset="-120"/>
+                  <a:ea typeface="微軟正黑體" panose="020B0604030504040204" pitchFamily="34" charset="-120"/>
+                </a:rPr>
+                <a:t>改變既有回報流程，供師生更簡便的回報及審核方式。</a:t>
+              </a:r>
+              <a:endParaRPr lang="en-US" altLang="zh-TW" sz="2400" b="1" dirty="0" smtClean="0">
                 <a:solidFill>
                   <a:schemeClr val="bg1"/>
                 </a:solidFill>
                 <a:latin typeface="微軟正黑體" panose="020B0604030504040204" pitchFamily="34" charset="-120"/>
                 <a:ea typeface="微軟正黑體" panose="020B0604030504040204" pitchFamily="34" charset="-120"/>
-              </a:rPr>
-              <a:t>系上排球隊隊長</a:t>
-            </a:r>
-          </a:p>
-        </p:txBody>
-      </p:sp>
+              </a:endParaRPr>
+            </a:p>
+          </p:txBody>
+        </p:sp>
+      </p:grpSp>
       <p:sp>
         <p:nvSpPr>
-          <p:cNvPr id="20" name="文字方塊 19"/>
+          <p:cNvPr id="30" name="文字方塊 29"/>
           <p:cNvSpPr txBox="1"/>
           <p:nvPr/>
         </p:nvSpPr>
@@ -11138,7 +12924,7 @@
           <a:lstStyle/>
           <a:p>
             <a:r>
-              <a:rPr lang="en-US" altLang="zh-TW" sz="1200" dirty="0">
+              <a:rPr lang="en-US" altLang="zh-TW" sz="1200" dirty="0" smtClean="0">
                 <a:solidFill>
                   <a:schemeClr val="bg1"/>
                 </a:solidFill>
@@ -11159,7 +12945,7 @@
       </p:sp>
       <p:pic>
         <p:nvPicPr>
-          <p:cNvPr id="17" name="圖片 28"/>
+          <p:cNvPr id="18" name="圖片 28"/>
           <p:cNvPicPr>
             <a:picLocks noChangeAspect="1"/>
           </p:cNvPicPr>
@@ -11194,40 +12980,10 @@
           <a:effectLst/>
         </p:spPr>
       </p:pic>
-      <p:pic>
-        <p:nvPicPr>
-          <p:cNvPr id="21" name="圖片 20"/>
-          <p:cNvPicPr>
-            <a:picLocks noChangeAspect="1"/>
-          </p:cNvPicPr>
-          <p:nvPr/>
-        </p:nvPicPr>
-        <p:blipFill>
-          <a:blip r:embed="rId3" cstate="print">
-            <a:extLst>
-              <a:ext uri="{28A0092B-C50C-407E-A947-70E740481C1C}">
-                <a14:useLocalDpi xmlns:a14="http://schemas.microsoft.com/office/drawing/2010/main" val="0"/>
-              </a:ext>
-            </a:extLst>
-          </a:blip>
-          <a:stretch>
-            <a:fillRect/>
-          </a:stretch>
-        </p:blipFill>
-        <p:spPr>
-          <a:xfrm>
-            <a:off x="3202579" y="1749537"/>
-            <a:ext cx="4454404" cy="4454404"/>
-          </a:xfrm>
-          <a:prstGeom prst="rect">
-            <a:avLst/>
-          </a:prstGeom>
-        </p:spPr>
-      </p:pic>
     </p:spTree>
     <p:extLst>
       <p:ext uri="{BB962C8B-B14F-4D97-AF65-F5344CB8AC3E}">
-        <p14:creationId xmlns:p14="http://schemas.microsoft.com/office/powerpoint/2010/main" val="81005535"/>
+        <p14:creationId xmlns:p14="http://schemas.microsoft.com/office/powerpoint/2010/main" val="1581026380"/>
       </p:ext>
     </p:extLst>
   </p:cSld>
